--- a/Presentation.pptx
+++ b/Presentation.pptx
@@ -13,7 +13,8 @@
     <p:sldId id="262" r:id="rId7"/>
     <p:sldId id="264" r:id="rId8"/>
     <p:sldId id="260" r:id="rId9"/>
-    <p:sldId id="261" r:id="rId10"/>
+    <p:sldId id="265" r:id="rId10"/>
+    <p:sldId id="261" r:id="rId11"/>
   </p:sldIdLst>
   <p:sldSz cx="12192000" cy="6858000"/>
   <p:notesSz cx="6858000" cy="9144000"/>
@@ -118,6 +119,2929 @@
     </p:ext>
   </p:extLst>
 </p:presentation>
+</file>
+
+<file path=ppt/charts/chart1.xml><?xml version="1.0" encoding="utf-8"?>
+<c:chartSpace xmlns:c="http://schemas.openxmlformats.org/drawingml/2006/chart" xmlns:a="http://schemas.openxmlformats.org/drawingml/2006/main" xmlns:r="http://schemas.openxmlformats.org/officeDocument/2006/relationships" xmlns:c16r2="http://schemas.microsoft.com/office/drawing/2015/06/chart">
+  <c:date1904 val="0"/>
+  <c:lang val="en-US"/>
+  <c:roundedCorners val="0"/>
+  <mc:AlternateContent xmlns:mc="http://schemas.openxmlformats.org/markup-compatibility/2006">
+    <mc:Choice xmlns:c14="http://schemas.microsoft.com/office/drawing/2007/8/2/chart" Requires="c14">
+      <c14:style val="102"/>
+    </mc:Choice>
+    <mc:Fallback>
+      <c:style val="2"/>
+    </mc:Fallback>
+  </mc:AlternateContent>
+  <c:chart>
+    <c:title>
+      <c:tx>
+        <c:rich>
+          <a:bodyPr rot="0" spcFirstLastPara="1" vertOverflow="ellipsis" vert="horz" wrap="square" anchor="ctr" anchorCtr="1"/>
+          <a:lstStyle/>
+          <a:p>
+            <a:pPr>
+              <a:defRPr sz="1400" b="0" i="0" u="none" strike="noStrike" kern="1200" spc="0" baseline="0">
+                <a:solidFill>
+                  <a:schemeClr val="tx1">
+                    <a:lumMod val="65000"/>
+                    <a:lumOff val="35000"/>
+                  </a:schemeClr>
+                </a:solidFill>
+                <a:latin typeface="+mn-lt"/>
+                <a:ea typeface="+mn-ea"/>
+                <a:cs typeface="+mn-cs"/>
+              </a:defRPr>
+            </a:pPr>
+            <a:r>
+              <a:rPr lang="en-US"/>
+              <a:t>Predictions</a:t>
+            </a:r>
+          </a:p>
+        </c:rich>
+      </c:tx>
+      <c:overlay val="0"/>
+      <c:spPr>
+        <a:noFill/>
+        <a:ln>
+          <a:noFill/>
+        </a:ln>
+        <a:effectLst/>
+      </c:spPr>
+      <c:txPr>
+        <a:bodyPr rot="0" spcFirstLastPara="1" vertOverflow="ellipsis" vert="horz" wrap="square" anchor="ctr" anchorCtr="1"/>
+        <a:lstStyle/>
+        <a:p>
+          <a:pPr>
+            <a:defRPr sz="1400" b="0" i="0" u="none" strike="noStrike" kern="1200" spc="0" baseline="0">
+              <a:solidFill>
+                <a:schemeClr val="tx1">
+                  <a:lumMod val="65000"/>
+                  <a:lumOff val="35000"/>
+                </a:schemeClr>
+              </a:solidFill>
+              <a:latin typeface="+mn-lt"/>
+              <a:ea typeface="+mn-ea"/>
+              <a:cs typeface="+mn-cs"/>
+            </a:defRPr>
+          </a:pPr>
+          <a:endParaRPr lang="en-US"/>
+        </a:p>
+      </c:txPr>
+    </c:title>
+    <c:autoTitleDeleted val="0"/>
+    <c:plotArea>
+      <c:layout/>
+      <c:lineChart>
+        <c:grouping val="standard"/>
+        <c:varyColors val="0"/>
+        <c:ser>
+          <c:idx val="1"/>
+          <c:order val="0"/>
+          <c:tx>
+            <c:strRef>
+              <c:f>Sheet1!$B$3</c:f>
+              <c:strCache>
+                <c:ptCount val="1"/>
+                <c:pt idx="0">
+                  <c:v>Target</c:v>
+                </c:pt>
+              </c:strCache>
+            </c:strRef>
+          </c:tx>
+          <c:spPr>
+            <a:ln w="28575" cap="rnd">
+              <a:solidFill>
+                <a:schemeClr val="accent2"/>
+              </a:solidFill>
+              <a:round/>
+            </a:ln>
+            <a:effectLst/>
+          </c:spPr>
+          <c:marker>
+            <c:symbol val="none"/>
+          </c:marker>
+          <c:cat>
+            <c:numRef>
+              <c:f>Sheet1!$A$4:$A$82</c:f>
+              <c:numCache>
+                <c:formatCode>General</c:formatCode>
+                <c:ptCount val="79"/>
+                <c:pt idx="0">
+                  <c:v>0</c:v>
+                </c:pt>
+                <c:pt idx="1">
+                  <c:v>1</c:v>
+                </c:pt>
+                <c:pt idx="2">
+                  <c:v>2</c:v>
+                </c:pt>
+                <c:pt idx="3">
+                  <c:v>3</c:v>
+                </c:pt>
+                <c:pt idx="4">
+                  <c:v>4</c:v>
+                </c:pt>
+                <c:pt idx="5">
+                  <c:v>5</c:v>
+                </c:pt>
+                <c:pt idx="6">
+                  <c:v>6</c:v>
+                </c:pt>
+                <c:pt idx="7">
+                  <c:v>7</c:v>
+                </c:pt>
+                <c:pt idx="8">
+                  <c:v>8</c:v>
+                </c:pt>
+                <c:pt idx="9">
+                  <c:v>9</c:v>
+                </c:pt>
+                <c:pt idx="10">
+                  <c:v>10</c:v>
+                </c:pt>
+                <c:pt idx="11">
+                  <c:v>11</c:v>
+                </c:pt>
+                <c:pt idx="12">
+                  <c:v>12</c:v>
+                </c:pt>
+                <c:pt idx="13">
+                  <c:v>13</c:v>
+                </c:pt>
+                <c:pt idx="14">
+                  <c:v>14</c:v>
+                </c:pt>
+                <c:pt idx="15">
+                  <c:v>15</c:v>
+                </c:pt>
+                <c:pt idx="16">
+                  <c:v>16</c:v>
+                </c:pt>
+                <c:pt idx="17">
+                  <c:v>17</c:v>
+                </c:pt>
+                <c:pt idx="18">
+                  <c:v>18</c:v>
+                </c:pt>
+                <c:pt idx="19">
+                  <c:v>19</c:v>
+                </c:pt>
+                <c:pt idx="20">
+                  <c:v>20</c:v>
+                </c:pt>
+                <c:pt idx="21">
+                  <c:v>21</c:v>
+                </c:pt>
+                <c:pt idx="22">
+                  <c:v>22</c:v>
+                </c:pt>
+                <c:pt idx="23">
+                  <c:v>23</c:v>
+                </c:pt>
+                <c:pt idx="24">
+                  <c:v>24</c:v>
+                </c:pt>
+                <c:pt idx="25">
+                  <c:v>25</c:v>
+                </c:pt>
+                <c:pt idx="26">
+                  <c:v>26</c:v>
+                </c:pt>
+                <c:pt idx="27">
+                  <c:v>27</c:v>
+                </c:pt>
+                <c:pt idx="28">
+                  <c:v>28</c:v>
+                </c:pt>
+                <c:pt idx="29">
+                  <c:v>29</c:v>
+                </c:pt>
+                <c:pt idx="30">
+                  <c:v>30</c:v>
+                </c:pt>
+                <c:pt idx="31">
+                  <c:v>31</c:v>
+                </c:pt>
+                <c:pt idx="32">
+                  <c:v>32</c:v>
+                </c:pt>
+                <c:pt idx="33">
+                  <c:v>33</c:v>
+                </c:pt>
+                <c:pt idx="34">
+                  <c:v>34</c:v>
+                </c:pt>
+                <c:pt idx="35">
+                  <c:v>35</c:v>
+                </c:pt>
+                <c:pt idx="36">
+                  <c:v>36</c:v>
+                </c:pt>
+                <c:pt idx="37">
+                  <c:v>37</c:v>
+                </c:pt>
+                <c:pt idx="38">
+                  <c:v>38</c:v>
+                </c:pt>
+                <c:pt idx="39">
+                  <c:v>39</c:v>
+                </c:pt>
+                <c:pt idx="40">
+                  <c:v>40</c:v>
+                </c:pt>
+                <c:pt idx="41">
+                  <c:v>41</c:v>
+                </c:pt>
+                <c:pt idx="42">
+                  <c:v>42</c:v>
+                </c:pt>
+                <c:pt idx="43">
+                  <c:v>43</c:v>
+                </c:pt>
+                <c:pt idx="44">
+                  <c:v>44</c:v>
+                </c:pt>
+                <c:pt idx="45">
+                  <c:v>45</c:v>
+                </c:pt>
+                <c:pt idx="46">
+                  <c:v>46</c:v>
+                </c:pt>
+                <c:pt idx="47">
+                  <c:v>47</c:v>
+                </c:pt>
+                <c:pt idx="48">
+                  <c:v>48</c:v>
+                </c:pt>
+                <c:pt idx="49">
+                  <c:v>49</c:v>
+                </c:pt>
+                <c:pt idx="50">
+                  <c:v>50</c:v>
+                </c:pt>
+                <c:pt idx="51">
+                  <c:v>51</c:v>
+                </c:pt>
+                <c:pt idx="52">
+                  <c:v>52</c:v>
+                </c:pt>
+                <c:pt idx="53">
+                  <c:v>53</c:v>
+                </c:pt>
+                <c:pt idx="54">
+                  <c:v>54</c:v>
+                </c:pt>
+                <c:pt idx="55">
+                  <c:v>55</c:v>
+                </c:pt>
+                <c:pt idx="56">
+                  <c:v>56</c:v>
+                </c:pt>
+                <c:pt idx="57">
+                  <c:v>57</c:v>
+                </c:pt>
+                <c:pt idx="58">
+                  <c:v>58</c:v>
+                </c:pt>
+                <c:pt idx="59">
+                  <c:v>59</c:v>
+                </c:pt>
+                <c:pt idx="60">
+                  <c:v>60</c:v>
+                </c:pt>
+                <c:pt idx="61">
+                  <c:v>61</c:v>
+                </c:pt>
+                <c:pt idx="62">
+                  <c:v>62</c:v>
+                </c:pt>
+                <c:pt idx="63">
+                  <c:v>63</c:v>
+                </c:pt>
+                <c:pt idx="64">
+                  <c:v>64</c:v>
+                </c:pt>
+                <c:pt idx="65">
+                  <c:v>65</c:v>
+                </c:pt>
+                <c:pt idx="66">
+                  <c:v>66</c:v>
+                </c:pt>
+                <c:pt idx="67">
+                  <c:v>67</c:v>
+                </c:pt>
+                <c:pt idx="68">
+                  <c:v>68</c:v>
+                </c:pt>
+                <c:pt idx="69">
+                  <c:v>69</c:v>
+                </c:pt>
+                <c:pt idx="70">
+                  <c:v>70</c:v>
+                </c:pt>
+                <c:pt idx="71">
+                  <c:v>71</c:v>
+                </c:pt>
+                <c:pt idx="72">
+                  <c:v>72</c:v>
+                </c:pt>
+                <c:pt idx="73">
+                  <c:v>73</c:v>
+                </c:pt>
+                <c:pt idx="74">
+                  <c:v>74</c:v>
+                </c:pt>
+                <c:pt idx="75">
+                  <c:v>75</c:v>
+                </c:pt>
+                <c:pt idx="76">
+                  <c:v>76</c:v>
+                </c:pt>
+                <c:pt idx="77">
+                  <c:v>77</c:v>
+                </c:pt>
+                <c:pt idx="78">
+                  <c:v>78</c:v>
+                </c:pt>
+              </c:numCache>
+            </c:numRef>
+          </c:cat>
+          <c:val>
+            <c:numRef>
+              <c:f>Sheet1!$B$4:$B$82</c:f>
+              <c:numCache>
+                <c:formatCode>General</c:formatCode>
+                <c:ptCount val="79"/>
+                <c:pt idx="0">
+                  <c:v>0</c:v>
+                </c:pt>
+                <c:pt idx="1">
+                  <c:v>9</c:v>
+                </c:pt>
+                <c:pt idx="2">
+                  <c:v>10</c:v>
+                </c:pt>
+                <c:pt idx="3">
+                  <c:v>11</c:v>
+                </c:pt>
+                <c:pt idx="4">
+                  <c:v>13</c:v>
+                </c:pt>
+                <c:pt idx="5">
+                  <c:v>9</c:v>
+                </c:pt>
+                <c:pt idx="6">
+                  <c:v>11</c:v>
+                </c:pt>
+                <c:pt idx="7">
+                  <c:v>15</c:v>
+                </c:pt>
+                <c:pt idx="8">
+                  <c:v>15</c:v>
+                </c:pt>
+                <c:pt idx="9">
+                  <c:v>11</c:v>
+                </c:pt>
+                <c:pt idx="10">
+                  <c:v>16</c:v>
+                </c:pt>
+                <c:pt idx="11">
+                  <c:v>10</c:v>
+                </c:pt>
+                <c:pt idx="12">
+                  <c:v>9</c:v>
+                </c:pt>
+                <c:pt idx="13">
+                  <c:v>14</c:v>
+                </c:pt>
+                <c:pt idx="14">
+                  <c:v>8</c:v>
+                </c:pt>
+                <c:pt idx="15">
+                  <c:v>14</c:v>
+                </c:pt>
+                <c:pt idx="16">
+                  <c:v>0</c:v>
+                </c:pt>
+                <c:pt idx="17">
+                  <c:v>0</c:v>
+                </c:pt>
+                <c:pt idx="18">
+                  <c:v>0</c:v>
+                </c:pt>
+                <c:pt idx="19">
+                  <c:v>15</c:v>
+                </c:pt>
+                <c:pt idx="20">
+                  <c:v>13</c:v>
+                </c:pt>
+                <c:pt idx="21">
+                  <c:v>0</c:v>
+                </c:pt>
+                <c:pt idx="22">
+                  <c:v>17</c:v>
+                </c:pt>
+                <c:pt idx="23">
+                  <c:v>10</c:v>
+                </c:pt>
+                <c:pt idx="24">
+                  <c:v>11</c:v>
+                </c:pt>
+                <c:pt idx="25">
+                  <c:v>0</c:v>
+                </c:pt>
+                <c:pt idx="26">
+                  <c:v>15</c:v>
+                </c:pt>
+                <c:pt idx="27">
+                  <c:v>0</c:v>
+                </c:pt>
+                <c:pt idx="28">
+                  <c:v>10</c:v>
+                </c:pt>
+                <c:pt idx="29">
+                  <c:v>14</c:v>
+                </c:pt>
+                <c:pt idx="30">
+                  <c:v>16</c:v>
+                </c:pt>
+                <c:pt idx="31">
+                  <c:v>9</c:v>
+                </c:pt>
+                <c:pt idx="32">
+                  <c:v>15</c:v>
+                </c:pt>
+                <c:pt idx="33">
+                  <c:v>13</c:v>
+                </c:pt>
+                <c:pt idx="34">
+                  <c:v>8</c:v>
+                </c:pt>
+                <c:pt idx="35">
+                  <c:v>13</c:v>
+                </c:pt>
+                <c:pt idx="36">
+                  <c:v>8</c:v>
+                </c:pt>
+                <c:pt idx="37">
+                  <c:v>8</c:v>
+                </c:pt>
+                <c:pt idx="38">
+                  <c:v>11</c:v>
+                </c:pt>
+                <c:pt idx="39">
+                  <c:v>9</c:v>
+                </c:pt>
+                <c:pt idx="40">
+                  <c:v>13</c:v>
+                </c:pt>
+                <c:pt idx="41">
+                  <c:v>11</c:v>
+                </c:pt>
+                <c:pt idx="42">
+                  <c:v>10</c:v>
+                </c:pt>
+                <c:pt idx="43">
+                  <c:v>16</c:v>
+                </c:pt>
+                <c:pt idx="44">
+                  <c:v>13</c:v>
+                </c:pt>
+                <c:pt idx="45">
+                  <c:v>12</c:v>
+                </c:pt>
+                <c:pt idx="46">
+                  <c:v>10</c:v>
+                </c:pt>
+                <c:pt idx="47">
+                  <c:v>15</c:v>
+                </c:pt>
+                <c:pt idx="48">
+                  <c:v>12</c:v>
+                </c:pt>
+                <c:pt idx="49">
+                  <c:v>10</c:v>
+                </c:pt>
+                <c:pt idx="50">
+                  <c:v>13</c:v>
+                </c:pt>
+                <c:pt idx="51">
+                  <c:v>0</c:v>
+                </c:pt>
+                <c:pt idx="52">
+                  <c:v>10</c:v>
+                </c:pt>
+                <c:pt idx="53">
+                  <c:v>11</c:v>
+                </c:pt>
+                <c:pt idx="54">
+                  <c:v>9</c:v>
+                </c:pt>
+                <c:pt idx="55">
+                  <c:v>12</c:v>
+                </c:pt>
+                <c:pt idx="56">
+                  <c:v>11</c:v>
+                </c:pt>
+                <c:pt idx="57">
+                  <c:v>5</c:v>
+                </c:pt>
+                <c:pt idx="58">
+                  <c:v>19</c:v>
+                </c:pt>
+                <c:pt idx="59">
+                  <c:v>10</c:v>
+                </c:pt>
+                <c:pt idx="60">
+                  <c:v>15</c:v>
+                </c:pt>
+                <c:pt idx="61">
+                  <c:v>10</c:v>
+                </c:pt>
+                <c:pt idx="62">
+                  <c:v>15</c:v>
+                </c:pt>
+                <c:pt idx="63">
+                  <c:v>10</c:v>
+                </c:pt>
+                <c:pt idx="64">
+                  <c:v>14</c:v>
+                </c:pt>
+                <c:pt idx="65">
+                  <c:v>7</c:v>
+                </c:pt>
+                <c:pt idx="66">
+                  <c:v>10</c:v>
+                </c:pt>
+                <c:pt idx="67">
+                  <c:v>0</c:v>
+                </c:pt>
+                <c:pt idx="68">
+                  <c:v>5</c:v>
+                </c:pt>
+                <c:pt idx="69">
+                  <c:v>10</c:v>
+                </c:pt>
+                <c:pt idx="70">
+                  <c:v>6</c:v>
+                </c:pt>
+                <c:pt idx="71">
+                  <c:v>0</c:v>
+                </c:pt>
+                <c:pt idx="72">
+                  <c:v>8</c:v>
+                </c:pt>
+                <c:pt idx="73">
+                  <c:v>0</c:v>
+                </c:pt>
+                <c:pt idx="74">
+                  <c:v>9</c:v>
+                </c:pt>
+                <c:pt idx="75">
+                  <c:v>16</c:v>
+                </c:pt>
+                <c:pt idx="76">
+                  <c:v>7</c:v>
+                </c:pt>
+                <c:pt idx="77">
+                  <c:v>10</c:v>
+                </c:pt>
+                <c:pt idx="78">
+                  <c:v>9</c:v>
+                </c:pt>
+              </c:numCache>
+            </c:numRef>
+          </c:val>
+          <c:smooth val="0"/>
+          <c:extLst>
+            <c:ext xmlns:c16="http://schemas.microsoft.com/office/drawing/2014/chart" uri="{C3380CC4-5D6E-409C-BE32-E72D297353CC}">
+              <c16:uniqueId val="{00000000-80F5-684A-B814-6287EA78E062}"/>
+            </c:ext>
+          </c:extLst>
+        </c:ser>
+        <c:ser>
+          <c:idx val="2"/>
+          <c:order val="1"/>
+          <c:tx>
+            <c:strRef>
+              <c:f>Sheet1!$C$3</c:f>
+              <c:strCache>
+                <c:ptCount val="1"/>
+                <c:pt idx="0">
+                  <c:v>GD</c:v>
+                </c:pt>
+              </c:strCache>
+            </c:strRef>
+          </c:tx>
+          <c:spPr>
+            <a:ln w="28575" cap="rnd">
+              <a:solidFill>
+                <a:schemeClr val="accent3"/>
+              </a:solidFill>
+              <a:round/>
+            </a:ln>
+            <a:effectLst/>
+          </c:spPr>
+          <c:marker>
+            <c:symbol val="none"/>
+          </c:marker>
+          <c:cat>
+            <c:numRef>
+              <c:f>Sheet1!$A$4:$A$82</c:f>
+              <c:numCache>
+                <c:formatCode>General</c:formatCode>
+                <c:ptCount val="79"/>
+                <c:pt idx="0">
+                  <c:v>0</c:v>
+                </c:pt>
+                <c:pt idx="1">
+                  <c:v>1</c:v>
+                </c:pt>
+                <c:pt idx="2">
+                  <c:v>2</c:v>
+                </c:pt>
+                <c:pt idx="3">
+                  <c:v>3</c:v>
+                </c:pt>
+                <c:pt idx="4">
+                  <c:v>4</c:v>
+                </c:pt>
+                <c:pt idx="5">
+                  <c:v>5</c:v>
+                </c:pt>
+                <c:pt idx="6">
+                  <c:v>6</c:v>
+                </c:pt>
+                <c:pt idx="7">
+                  <c:v>7</c:v>
+                </c:pt>
+                <c:pt idx="8">
+                  <c:v>8</c:v>
+                </c:pt>
+                <c:pt idx="9">
+                  <c:v>9</c:v>
+                </c:pt>
+                <c:pt idx="10">
+                  <c:v>10</c:v>
+                </c:pt>
+                <c:pt idx="11">
+                  <c:v>11</c:v>
+                </c:pt>
+                <c:pt idx="12">
+                  <c:v>12</c:v>
+                </c:pt>
+                <c:pt idx="13">
+                  <c:v>13</c:v>
+                </c:pt>
+                <c:pt idx="14">
+                  <c:v>14</c:v>
+                </c:pt>
+                <c:pt idx="15">
+                  <c:v>15</c:v>
+                </c:pt>
+                <c:pt idx="16">
+                  <c:v>16</c:v>
+                </c:pt>
+                <c:pt idx="17">
+                  <c:v>17</c:v>
+                </c:pt>
+                <c:pt idx="18">
+                  <c:v>18</c:v>
+                </c:pt>
+                <c:pt idx="19">
+                  <c:v>19</c:v>
+                </c:pt>
+                <c:pt idx="20">
+                  <c:v>20</c:v>
+                </c:pt>
+                <c:pt idx="21">
+                  <c:v>21</c:v>
+                </c:pt>
+                <c:pt idx="22">
+                  <c:v>22</c:v>
+                </c:pt>
+                <c:pt idx="23">
+                  <c:v>23</c:v>
+                </c:pt>
+                <c:pt idx="24">
+                  <c:v>24</c:v>
+                </c:pt>
+                <c:pt idx="25">
+                  <c:v>25</c:v>
+                </c:pt>
+                <c:pt idx="26">
+                  <c:v>26</c:v>
+                </c:pt>
+                <c:pt idx="27">
+                  <c:v>27</c:v>
+                </c:pt>
+                <c:pt idx="28">
+                  <c:v>28</c:v>
+                </c:pt>
+                <c:pt idx="29">
+                  <c:v>29</c:v>
+                </c:pt>
+                <c:pt idx="30">
+                  <c:v>30</c:v>
+                </c:pt>
+                <c:pt idx="31">
+                  <c:v>31</c:v>
+                </c:pt>
+                <c:pt idx="32">
+                  <c:v>32</c:v>
+                </c:pt>
+                <c:pt idx="33">
+                  <c:v>33</c:v>
+                </c:pt>
+                <c:pt idx="34">
+                  <c:v>34</c:v>
+                </c:pt>
+                <c:pt idx="35">
+                  <c:v>35</c:v>
+                </c:pt>
+                <c:pt idx="36">
+                  <c:v>36</c:v>
+                </c:pt>
+                <c:pt idx="37">
+                  <c:v>37</c:v>
+                </c:pt>
+                <c:pt idx="38">
+                  <c:v>38</c:v>
+                </c:pt>
+                <c:pt idx="39">
+                  <c:v>39</c:v>
+                </c:pt>
+                <c:pt idx="40">
+                  <c:v>40</c:v>
+                </c:pt>
+                <c:pt idx="41">
+                  <c:v>41</c:v>
+                </c:pt>
+                <c:pt idx="42">
+                  <c:v>42</c:v>
+                </c:pt>
+                <c:pt idx="43">
+                  <c:v>43</c:v>
+                </c:pt>
+                <c:pt idx="44">
+                  <c:v>44</c:v>
+                </c:pt>
+                <c:pt idx="45">
+                  <c:v>45</c:v>
+                </c:pt>
+                <c:pt idx="46">
+                  <c:v>46</c:v>
+                </c:pt>
+                <c:pt idx="47">
+                  <c:v>47</c:v>
+                </c:pt>
+                <c:pt idx="48">
+                  <c:v>48</c:v>
+                </c:pt>
+                <c:pt idx="49">
+                  <c:v>49</c:v>
+                </c:pt>
+                <c:pt idx="50">
+                  <c:v>50</c:v>
+                </c:pt>
+                <c:pt idx="51">
+                  <c:v>51</c:v>
+                </c:pt>
+                <c:pt idx="52">
+                  <c:v>52</c:v>
+                </c:pt>
+                <c:pt idx="53">
+                  <c:v>53</c:v>
+                </c:pt>
+                <c:pt idx="54">
+                  <c:v>54</c:v>
+                </c:pt>
+                <c:pt idx="55">
+                  <c:v>55</c:v>
+                </c:pt>
+                <c:pt idx="56">
+                  <c:v>56</c:v>
+                </c:pt>
+                <c:pt idx="57">
+                  <c:v>57</c:v>
+                </c:pt>
+                <c:pt idx="58">
+                  <c:v>58</c:v>
+                </c:pt>
+                <c:pt idx="59">
+                  <c:v>59</c:v>
+                </c:pt>
+                <c:pt idx="60">
+                  <c:v>60</c:v>
+                </c:pt>
+                <c:pt idx="61">
+                  <c:v>61</c:v>
+                </c:pt>
+                <c:pt idx="62">
+                  <c:v>62</c:v>
+                </c:pt>
+                <c:pt idx="63">
+                  <c:v>63</c:v>
+                </c:pt>
+                <c:pt idx="64">
+                  <c:v>64</c:v>
+                </c:pt>
+                <c:pt idx="65">
+                  <c:v>65</c:v>
+                </c:pt>
+                <c:pt idx="66">
+                  <c:v>66</c:v>
+                </c:pt>
+                <c:pt idx="67">
+                  <c:v>67</c:v>
+                </c:pt>
+                <c:pt idx="68">
+                  <c:v>68</c:v>
+                </c:pt>
+                <c:pt idx="69">
+                  <c:v>69</c:v>
+                </c:pt>
+                <c:pt idx="70">
+                  <c:v>70</c:v>
+                </c:pt>
+                <c:pt idx="71">
+                  <c:v>71</c:v>
+                </c:pt>
+                <c:pt idx="72">
+                  <c:v>72</c:v>
+                </c:pt>
+                <c:pt idx="73">
+                  <c:v>73</c:v>
+                </c:pt>
+                <c:pt idx="74">
+                  <c:v>74</c:v>
+                </c:pt>
+                <c:pt idx="75">
+                  <c:v>75</c:v>
+                </c:pt>
+                <c:pt idx="76">
+                  <c:v>76</c:v>
+                </c:pt>
+                <c:pt idx="77">
+                  <c:v>77</c:v>
+                </c:pt>
+                <c:pt idx="78">
+                  <c:v>78</c:v>
+                </c:pt>
+              </c:numCache>
+            </c:numRef>
+          </c:cat>
+          <c:val>
+            <c:numRef>
+              <c:f>Sheet1!$C$4:$C$82</c:f>
+              <c:numCache>
+                <c:formatCode>General</c:formatCode>
+                <c:ptCount val="79"/>
+                <c:pt idx="0">
+                  <c:v>7.2469588646798799</c:v>
+                </c:pt>
+                <c:pt idx="1">
+                  <c:v>9.4100075900422109</c:v>
+                </c:pt>
+                <c:pt idx="2">
+                  <c:v>10.3449844456081</c:v>
+                </c:pt>
+                <c:pt idx="3">
+                  <c:v>10.5502045658958</c:v>
+                </c:pt>
+                <c:pt idx="4">
+                  <c:v>13.5485340587511</c:v>
+                </c:pt>
+                <c:pt idx="5">
+                  <c:v>9.0842725995846791</c:v>
+                </c:pt>
+                <c:pt idx="6">
+                  <c:v>10.544810514917399</c:v>
+                </c:pt>
+                <c:pt idx="7">
+                  <c:v>13.563965917789901</c:v>
+                </c:pt>
+                <c:pt idx="8">
+                  <c:v>15.090069692093399</c:v>
+                </c:pt>
+                <c:pt idx="9">
+                  <c:v>11.0152741682379</c:v>
+                </c:pt>
+                <c:pt idx="10">
+                  <c:v>15.04344957967</c:v>
+                </c:pt>
+                <c:pt idx="11">
+                  <c:v>9.9996616289428104</c:v>
+                </c:pt>
+                <c:pt idx="12">
+                  <c:v>8.5411311432313095</c:v>
+                </c:pt>
+                <c:pt idx="13">
+                  <c:v>13.880784829721501</c:v>
+                </c:pt>
+                <c:pt idx="14">
+                  <c:v>7.2150683385890098</c:v>
+                </c:pt>
+                <c:pt idx="15">
+                  <c:v>13.5352962447707</c:v>
+                </c:pt>
+                <c:pt idx="16">
+                  <c:v>-0.50912735604258796</c:v>
+                </c:pt>
+                <c:pt idx="17">
+                  <c:v>7.1818039138978396</c:v>
+                </c:pt>
+                <c:pt idx="18">
+                  <c:v>8.2763263947014796</c:v>
+                </c:pt>
+                <c:pt idx="19">
+                  <c:v>15.5618697171421</c:v>
+                </c:pt>
+                <c:pt idx="20">
+                  <c:v>13.3754077597118</c:v>
+                </c:pt>
+                <c:pt idx="21">
+                  <c:v>7.0159458033047803</c:v>
+                </c:pt>
+                <c:pt idx="22">
+                  <c:v>15.2225830311155</c:v>
+                </c:pt>
+                <c:pt idx="23">
+                  <c:v>9.3978726130811694</c:v>
+                </c:pt>
+                <c:pt idx="24">
+                  <c:v>11.574881578964099</c:v>
+                </c:pt>
+                <c:pt idx="25">
+                  <c:v>9.3592411610076507</c:v>
+                </c:pt>
+                <c:pt idx="26">
+                  <c:v>15.512342633235599</c:v>
+                </c:pt>
+                <c:pt idx="27">
+                  <c:v>7.3754248683275101</c:v>
+                </c:pt>
+                <c:pt idx="28">
+                  <c:v>9.5795921252586798</c:v>
+                </c:pt>
+                <c:pt idx="29">
+                  <c:v>12.9545001685304</c:v>
+                </c:pt>
+                <c:pt idx="30">
+                  <c:v>15.4278031514032</c:v>
+                </c:pt>
+                <c:pt idx="31">
+                  <c:v>9.3117915097265094</c:v>
+                </c:pt>
+                <c:pt idx="32">
+                  <c:v>14.555103253368801</c:v>
+                </c:pt>
+                <c:pt idx="33">
+                  <c:v>12.905415774466301</c:v>
+                </c:pt>
+                <c:pt idx="34">
+                  <c:v>6.5617862414110899</c:v>
+                </c:pt>
+                <c:pt idx="35">
+                  <c:v>12.855487432928999</c:v>
+                </c:pt>
+                <c:pt idx="36">
+                  <c:v>6.5116546047162496</c:v>
+                </c:pt>
+                <c:pt idx="37">
+                  <c:v>7.4771752707692203</c:v>
+                </c:pt>
+                <c:pt idx="38">
+                  <c:v>11.0831233990121</c:v>
+                </c:pt>
+                <c:pt idx="39">
+                  <c:v>8.4798127909694596</c:v>
+                </c:pt>
+                <c:pt idx="40">
+                  <c:v>12.689327045941701</c:v>
+                </c:pt>
+                <c:pt idx="41">
+                  <c:v>11.794531653210701</c:v>
+                </c:pt>
+                <c:pt idx="42">
+                  <c:v>9.7293967317698904</c:v>
+                </c:pt>
+                <c:pt idx="43">
+                  <c:v>16.5183884707291</c:v>
+                </c:pt>
+                <c:pt idx="44">
+                  <c:v>12.6699541200858</c:v>
+                </c:pt>
+                <c:pt idx="45">
+                  <c:v>11.997781870749201</c:v>
+                </c:pt>
+                <c:pt idx="46">
+                  <c:v>10.5384132975404</c:v>
+                </c:pt>
+                <c:pt idx="47">
+                  <c:v>15.199085067025999</c:v>
+                </c:pt>
+                <c:pt idx="48">
+                  <c:v>10.741663515078899</c:v>
+                </c:pt>
+                <c:pt idx="49">
+                  <c:v>9.48648222814262</c:v>
+                </c:pt>
+                <c:pt idx="50">
+                  <c:v>12.6406380495325</c:v>
+                </c:pt>
+                <c:pt idx="51">
+                  <c:v>5.2888694154224902</c:v>
+                </c:pt>
+                <c:pt idx="52">
+                  <c:v>9.6907652796963699</c:v>
+                </c:pt>
+                <c:pt idx="53">
+                  <c:v>12.338637201894</c:v>
+                </c:pt>
+                <c:pt idx="54">
+                  <c:v>6.22883067509688</c:v>
+                </c:pt>
+                <c:pt idx="55">
+                  <c:v>12.2712788136539</c:v>
+                </c:pt>
+                <c:pt idx="56">
+                  <c:v>11.1098534088335</c:v>
+                </c:pt>
+                <c:pt idx="57">
+                  <c:v>4.5515724548551404</c:v>
+                </c:pt>
+                <c:pt idx="58">
+                  <c:v>18.464812656463799</c:v>
+                </c:pt>
+                <c:pt idx="59">
+                  <c:v>7.1871133922549904</c:v>
+                </c:pt>
+                <c:pt idx="60">
+                  <c:v>14.220384984802299</c:v>
+                </c:pt>
+                <c:pt idx="61">
+                  <c:v>8.1848841239404102</c:v>
+                </c:pt>
+                <c:pt idx="62">
+                  <c:v>15.0428562195418</c:v>
+                </c:pt>
+                <c:pt idx="63">
+                  <c:v>10.093860200901</c:v>
+                </c:pt>
+                <c:pt idx="64">
+                  <c:v>14.202679685301399</c:v>
+                </c:pt>
+                <c:pt idx="65">
+                  <c:v>5.47876394522876</c:v>
+                </c:pt>
+                <c:pt idx="66">
+                  <c:v>10.5755031280917</c:v>
+                </c:pt>
+                <c:pt idx="67">
+                  <c:v>4.1627586849221601</c:v>
+                </c:pt>
+                <c:pt idx="68">
+                  <c:v>4.6348609863649699</c:v>
+                </c:pt>
+                <c:pt idx="69">
+                  <c:v>8.4694529702395691</c:v>
+                </c:pt>
+                <c:pt idx="70">
+                  <c:v>4.2775667244433704</c:v>
+                </c:pt>
+                <c:pt idx="71">
+                  <c:v>4.0286233774979898</c:v>
+                </c:pt>
+                <c:pt idx="72">
+                  <c:v>8.0292598292445305</c:v>
+                </c:pt>
+                <c:pt idx="73">
+                  <c:v>4.0501540828589704</c:v>
+                </c:pt>
+                <c:pt idx="74">
+                  <c:v>8.6802736526184496</c:v>
+                </c:pt>
+                <c:pt idx="75">
+                  <c:v>16.121918556391801</c:v>
+                </c:pt>
+                <c:pt idx="76">
+                  <c:v>7.8319908424346298</c:v>
+                </c:pt>
+                <c:pt idx="77">
+                  <c:v>11.6486626264563</c:v>
+                </c:pt>
+                <c:pt idx="78">
+                  <c:v>8.4420913840338194</c:v>
+                </c:pt>
+              </c:numCache>
+            </c:numRef>
+          </c:val>
+          <c:smooth val="0"/>
+          <c:extLst>
+            <c:ext xmlns:c16="http://schemas.microsoft.com/office/drawing/2014/chart" uri="{C3380CC4-5D6E-409C-BE32-E72D297353CC}">
+              <c16:uniqueId val="{00000001-80F5-684A-B814-6287EA78E062}"/>
+            </c:ext>
+          </c:extLst>
+        </c:ser>
+        <c:ser>
+          <c:idx val="3"/>
+          <c:order val="2"/>
+          <c:tx>
+            <c:strRef>
+              <c:f>Sheet1!$D$3</c:f>
+              <c:strCache>
+                <c:ptCount val="1"/>
+                <c:pt idx="0">
+                  <c:v>LR framework</c:v>
+                </c:pt>
+              </c:strCache>
+            </c:strRef>
+          </c:tx>
+          <c:spPr>
+            <a:ln w="28575" cap="rnd">
+              <a:solidFill>
+                <a:schemeClr val="accent4"/>
+              </a:solidFill>
+              <a:round/>
+            </a:ln>
+            <a:effectLst/>
+          </c:spPr>
+          <c:marker>
+            <c:symbol val="none"/>
+          </c:marker>
+          <c:cat>
+            <c:numRef>
+              <c:f>Sheet1!$A$4:$A$82</c:f>
+              <c:numCache>
+                <c:formatCode>General</c:formatCode>
+                <c:ptCount val="79"/>
+                <c:pt idx="0">
+                  <c:v>0</c:v>
+                </c:pt>
+                <c:pt idx="1">
+                  <c:v>1</c:v>
+                </c:pt>
+                <c:pt idx="2">
+                  <c:v>2</c:v>
+                </c:pt>
+                <c:pt idx="3">
+                  <c:v>3</c:v>
+                </c:pt>
+                <c:pt idx="4">
+                  <c:v>4</c:v>
+                </c:pt>
+                <c:pt idx="5">
+                  <c:v>5</c:v>
+                </c:pt>
+                <c:pt idx="6">
+                  <c:v>6</c:v>
+                </c:pt>
+                <c:pt idx="7">
+                  <c:v>7</c:v>
+                </c:pt>
+                <c:pt idx="8">
+                  <c:v>8</c:v>
+                </c:pt>
+                <c:pt idx="9">
+                  <c:v>9</c:v>
+                </c:pt>
+                <c:pt idx="10">
+                  <c:v>10</c:v>
+                </c:pt>
+                <c:pt idx="11">
+                  <c:v>11</c:v>
+                </c:pt>
+                <c:pt idx="12">
+                  <c:v>12</c:v>
+                </c:pt>
+                <c:pt idx="13">
+                  <c:v>13</c:v>
+                </c:pt>
+                <c:pt idx="14">
+                  <c:v>14</c:v>
+                </c:pt>
+                <c:pt idx="15">
+                  <c:v>15</c:v>
+                </c:pt>
+                <c:pt idx="16">
+                  <c:v>16</c:v>
+                </c:pt>
+                <c:pt idx="17">
+                  <c:v>17</c:v>
+                </c:pt>
+                <c:pt idx="18">
+                  <c:v>18</c:v>
+                </c:pt>
+                <c:pt idx="19">
+                  <c:v>19</c:v>
+                </c:pt>
+                <c:pt idx="20">
+                  <c:v>20</c:v>
+                </c:pt>
+                <c:pt idx="21">
+                  <c:v>21</c:v>
+                </c:pt>
+                <c:pt idx="22">
+                  <c:v>22</c:v>
+                </c:pt>
+                <c:pt idx="23">
+                  <c:v>23</c:v>
+                </c:pt>
+                <c:pt idx="24">
+                  <c:v>24</c:v>
+                </c:pt>
+                <c:pt idx="25">
+                  <c:v>25</c:v>
+                </c:pt>
+                <c:pt idx="26">
+                  <c:v>26</c:v>
+                </c:pt>
+                <c:pt idx="27">
+                  <c:v>27</c:v>
+                </c:pt>
+                <c:pt idx="28">
+                  <c:v>28</c:v>
+                </c:pt>
+                <c:pt idx="29">
+                  <c:v>29</c:v>
+                </c:pt>
+                <c:pt idx="30">
+                  <c:v>30</c:v>
+                </c:pt>
+                <c:pt idx="31">
+                  <c:v>31</c:v>
+                </c:pt>
+                <c:pt idx="32">
+                  <c:v>32</c:v>
+                </c:pt>
+                <c:pt idx="33">
+                  <c:v>33</c:v>
+                </c:pt>
+                <c:pt idx="34">
+                  <c:v>34</c:v>
+                </c:pt>
+                <c:pt idx="35">
+                  <c:v>35</c:v>
+                </c:pt>
+                <c:pt idx="36">
+                  <c:v>36</c:v>
+                </c:pt>
+                <c:pt idx="37">
+                  <c:v>37</c:v>
+                </c:pt>
+                <c:pt idx="38">
+                  <c:v>38</c:v>
+                </c:pt>
+                <c:pt idx="39">
+                  <c:v>39</c:v>
+                </c:pt>
+                <c:pt idx="40">
+                  <c:v>40</c:v>
+                </c:pt>
+                <c:pt idx="41">
+                  <c:v>41</c:v>
+                </c:pt>
+                <c:pt idx="42">
+                  <c:v>42</c:v>
+                </c:pt>
+                <c:pt idx="43">
+                  <c:v>43</c:v>
+                </c:pt>
+                <c:pt idx="44">
+                  <c:v>44</c:v>
+                </c:pt>
+                <c:pt idx="45">
+                  <c:v>45</c:v>
+                </c:pt>
+                <c:pt idx="46">
+                  <c:v>46</c:v>
+                </c:pt>
+                <c:pt idx="47">
+                  <c:v>47</c:v>
+                </c:pt>
+                <c:pt idx="48">
+                  <c:v>48</c:v>
+                </c:pt>
+                <c:pt idx="49">
+                  <c:v>49</c:v>
+                </c:pt>
+                <c:pt idx="50">
+                  <c:v>50</c:v>
+                </c:pt>
+                <c:pt idx="51">
+                  <c:v>51</c:v>
+                </c:pt>
+                <c:pt idx="52">
+                  <c:v>52</c:v>
+                </c:pt>
+                <c:pt idx="53">
+                  <c:v>53</c:v>
+                </c:pt>
+                <c:pt idx="54">
+                  <c:v>54</c:v>
+                </c:pt>
+                <c:pt idx="55">
+                  <c:v>55</c:v>
+                </c:pt>
+                <c:pt idx="56">
+                  <c:v>56</c:v>
+                </c:pt>
+                <c:pt idx="57">
+                  <c:v>57</c:v>
+                </c:pt>
+                <c:pt idx="58">
+                  <c:v>58</c:v>
+                </c:pt>
+                <c:pt idx="59">
+                  <c:v>59</c:v>
+                </c:pt>
+                <c:pt idx="60">
+                  <c:v>60</c:v>
+                </c:pt>
+                <c:pt idx="61">
+                  <c:v>61</c:v>
+                </c:pt>
+                <c:pt idx="62">
+                  <c:v>62</c:v>
+                </c:pt>
+                <c:pt idx="63">
+                  <c:v>63</c:v>
+                </c:pt>
+                <c:pt idx="64">
+                  <c:v>64</c:v>
+                </c:pt>
+                <c:pt idx="65">
+                  <c:v>65</c:v>
+                </c:pt>
+                <c:pt idx="66">
+                  <c:v>66</c:v>
+                </c:pt>
+                <c:pt idx="67">
+                  <c:v>67</c:v>
+                </c:pt>
+                <c:pt idx="68">
+                  <c:v>68</c:v>
+                </c:pt>
+                <c:pt idx="69">
+                  <c:v>69</c:v>
+                </c:pt>
+                <c:pt idx="70">
+                  <c:v>70</c:v>
+                </c:pt>
+                <c:pt idx="71">
+                  <c:v>71</c:v>
+                </c:pt>
+                <c:pt idx="72">
+                  <c:v>72</c:v>
+                </c:pt>
+                <c:pt idx="73">
+                  <c:v>73</c:v>
+                </c:pt>
+                <c:pt idx="74">
+                  <c:v>74</c:v>
+                </c:pt>
+                <c:pt idx="75">
+                  <c:v>75</c:v>
+                </c:pt>
+                <c:pt idx="76">
+                  <c:v>76</c:v>
+                </c:pt>
+                <c:pt idx="77">
+                  <c:v>77</c:v>
+                </c:pt>
+                <c:pt idx="78">
+                  <c:v>78</c:v>
+                </c:pt>
+              </c:numCache>
+            </c:numRef>
+          </c:cat>
+          <c:val>
+            <c:numRef>
+              <c:f>Sheet1!$D$4:$D$82</c:f>
+              <c:numCache>
+                <c:formatCode>General</c:formatCode>
+                <c:ptCount val="79"/>
+                <c:pt idx="0">
+                  <c:v>7.4964487094887202</c:v>
+                </c:pt>
+                <c:pt idx="1">
+                  <c:v>9.5965883780291907</c:v>
+                </c:pt>
+                <c:pt idx="2">
+                  <c:v>10.3857281799174</c:v>
+                </c:pt>
+                <c:pt idx="3">
+                  <c:v>10.7117936298642</c:v>
+                </c:pt>
+                <c:pt idx="4">
+                  <c:v>13.511931928562101</c:v>
+                </c:pt>
+                <c:pt idx="5">
+                  <c:v>8.98691301034596</c:v>
+                </c:pt>
+                <c:pt idx="6">
+                  <c:v>10.6059936918942</c:v>
+                </c:pt>
+                <c:pt idx="7">
+                  <c:v>13.9162433611501</c:v>
+                </c:pt>
+                <c:pt idx="8">
+                  <c:v>14.871791806328501</c:v>
+                </c:pt>
+                <c:pt idx="9">
+                  <c:v>11.272642000143399</c:v>
+                </c:pt>
+                <c:pt idx="10">
+                  <c:v>15.208276129131701</c:v>
+                </c:pt>
+                <c:pt idx="11">
+                  <c:v>10.026712959664099</c:v>
+                </c:pt>
+                <c:pt idx="12">
+                  <c:v>8.5765468837537906</c:v>
+                </c:pt>
+                <c:pt idx="13">
+                  <c:v>13.9511650150609</c:v>
+                </c:pt>
+                <c:pt idx="14">
+                  <c:v>7.2354698108142497</c:v>
+                </c:pt>
+                <c:pt idx="15">
+                  <c:v>13.447425333977099</c:v>
+                </c:pt>
+                <c:pt idx="16">
+                  <c:v>-0.58929834487688104</c:v>
+                </c:pt>
+                <c:pt idx="17">
+                  <c:v>7.3466465441006896</c:v>
+                </c:pt>
+                <c:pt idx="18">
+                  <c:v>8.3109408450097408</c:v>
+                </c:pt>
+                <c:pt idx="19">
+                  <c:v>15.309597996869099</c:v>
+                </c:pt>
+                <c:pt idx="20">
+                  <c:v>13.448256323868099</c:v>
+                </c:pt>
+                <c:pt idx="21">
+                  <c:v>7.3433452728426296</c:v>
+                </c:pt>
+                <c:pt idx="22">
+                  <c:v>15.132770480722501</c:v>
+                </c:pt>
+                <c:pt idx="23">
+                  <c:v>9.6540934420076798</c:v>
+                </c:pt>
+                <c:pt idx="24">
+                  <c:v>11.7486268014204</c:v>
+                </c:pt>
+                <c:pt idx="25">
+                  <c:v>9.5564195452816794</c:v>
+                </c:pt>
+                <c:pt idx="26">
+                  <c:v>15.356567002049101</c:v>
+                </c:pt>
+                <c:pt idx="27">
+                  <c:v>7.4892139219482701</c:v>
+                </c:pt>
+                <c:pt idx="28">
+                  <c:v>9.5033121075615306</c:v>
+                </c:pt>
+                <c:pt idx="29">
+                  <c:v>13.0560079676487</c:v>
+                </c:pt>
+                <c:pt idx="30">
+                  <c:v>15.4588359306693</c:v>
+                </c:pt>
+                <c:pt idx="31">
+                  <c:v>9.5593738925059402</c:v>
+                </c:pt>
+                <c:pt idx="32">
+                  <c:v>14.851351933755801</c:v>
+                </c:pt>
+                <c:pt idx="33">
+                  <c:v>13.1244961360714</c:v>
+                </c:pt>
+                <c:pt idx="34">
+                  <c:v>6.5441335221318404</c:v>
+                </c:pt>
+                <c:pt idx="35">
+                  <c:v>12.9531748074407</c:v>
+                </c:pt>
+                <c:pt idx="36">
+                  <c:v>6.3714012469228098</c:v>
+                </c:pt>
+                <c:pt idx="37">
+                  <c:v>7.5839334714500097</c:v>
+                </c:pt>
+                <c:pt idx="38">
+                  <c:v>11.186682076140899</c:v>
+                </c:pt>
+                <c:pt idx="39">
+                  <c:v>8.5941004225387605</c:v>
+                </c:pt>
+                <c:pt idx="40">
+                  <c:v>12.840022895988101</c:v>
+                </c:pt>
+                <c:pt idx="41">
+                  <c:v>11.9875544134397</c:v>
+                </c:pt>
+                <c:pt idx="42">
+                  <c:v>9.8147785902280305</c:v>
+                </c:pt>
+                <c:pt idx="43">
+                  <c:v>16.418850015542599</c:v>
+                </c:pt>
+                <c:pt idx="44">
+                  <c:v>12.484888903680099</c:v>
+                </c:pt>
+                <c:pt idx="45">
+                  <c:v>12.001391743496299</c:v>
+                </c:pt>
+                <c:pt idx="46">
+                  <c:v>10.682378163469201</c:v>
+                </c:pt>
+                <c:pt idx="47">
+                  <c:v>15.276099720074299</c:v>
+                </c:pt>
+                <c:pt idx="48">
+                  <c:v>10.696215493525701</c:v>
+                </c:pt>
+                <c:pt idx="49">
+                  <c:v>9.3683264412882199</c:v>
+                </c:pt>
+                <c:pt idx="50">
+                  <c:v>12.755839405284901</c:v>
+                </c:pt>
+                <c:pt idx="51">
+                  <c:v>5.4157526801325302</c:v>
+                </c:pt>
+                <c:pt idx="52">
+                  <c:v>9.71710469350203</c:v>
+                </c:pt>
+                <c:pt idx="53">
+                  <c:v>12.2721570457224</c:v>
+                </c:pt>
+                <c:pt idx="54">
+                  <c:v>6.4503931416882301</c:v>
+                </c:pt>
+                <c:pt idx="55">
+                  <c:v>12.1609805367164</c:v>
+                </c:pt>
+                <c:pt idx="56">
+                  <c:v>10.991007260573101</c:v>
+                </c:pt>
+                <c:pt idx="57">
+                  <c:v>4.43018863171012</c:v>
+                </c:pt>
+                <c:pt idx="58">
+                  <c:v>18.475519580077499</c:v>
+                </c:pt>
+                <c:pt idx="59">
+                  <c:v>7.2502863099289598</c:v>
+                </c:pt>
+                <c:pt idx="60">
+                  <c:v>14.3933367236846</c:v>
+                </c:pt>
+                <c:pt idx="61">
+                  <c:v>8.3783326584321394</c:v>
+                </c:pt>
+                <c:pt idx="62">
+                  <c:v>15.1440684010252</c:v>
+                </c:pt>
+                <c:pt idx="63">
+                  <c:v>10.206147899001101</c:v>
+                </c:pt>
+                <c:pt idx="64">
+                  <c:v>14.240580211072301</c:v>
+                </c:pt>
+                <c:pt idx="65">
+                  <c:v>5.6548975997058397</c:v>
+                </c:pt>
+                <c:pt idx="66">
+                  <c:v>10.5830635820732</c:v>
+                </c:pt>
+                <c:pt idx="67">
+                  <c:v>4.3003301207435198</c:v>
+                </c:pt>
+                <c:pt idx="68">
+                  <c:v>4.8479869514786502</c:v>
+                </c:pt>
+                <c:pt idx="69">
+                  <c:v>8.4977401883670307</c:v>
+                </c:pt>
+                <c:pt idx="70">
+                  <c:v>4.4085522825252896</c:v>
+                </c:pt>
+                <c:pt idx="71">
+                  <c:v>3.9888636380770199</c:v>
+                </c:pt>
+                <c:pt idx="72">
+                  <c:v>8.4660026197720892</c:v>
+                </c:pt>
+                <c:pt idx="73">
+                  <c:v>4.15348230257975</c:v>
+                </c:pt>
+                <c:pt idx="74">
+                  <c:v>8.6818024920540502</c:v>
+                </c:pt>
+                <c:pt idx="75">
+                  <c:v>16.480735641449201</c:v>
+                </c:pt>
+                <c:pt idx="76">
+                  <c:v>7.8490924645484004</c:v>
+                </c:pt>
+                <c:pt idx="77">
+                  <c:v>11.951883328562401</c:v>
+                </c:pt>
+                <c:pt idx="78">
+                  <c:v>8.5767644155882099</c:v>
+                </c:pt>
+              </c:numCache>
+            </c:numRef>
+          </c:val>
+          <c:smooth val="0"/>
+          <c:extLst>
+            <c:ext xmlns:c16="http://schemas.microsoft.com/office/drawing/2014/chart" uri="{C3380CC4-5D6E-409C-BE32-E72D297353CC}">
+              <c16:uniqueId val="{00000002-80F5-684A-B814-6287EA78E062}"/>
+            </c:ext>
+          </c:extLst>
+        </c:ser>
+        <c:ser>
+          <c:idx val="4"/>
+          <c:order val="3"/>
+          <c:tx>
+            <c:strRef>
+              <c:f>Sheet1!$E$3</c:f>
+              <c:strCache>
+                <c:ptCount val="1"/>
+                <c:pt idx="0">
+                  <c:v>Decision Tree</c:v>
+                </c:pt>
+              </c:strCache>
+            </c:strRef>
+          </c:tx>
+          <c:spPr>
+            <a:ln w="28575" cap="rnd">
+              <a:solidFill>
+                <a:schemeClr val="accent5"/>
+              </a:solidFill>
+              <a:round/>
+            </a:ln>
+            <a:effectLst/>
+          </c:spPr>
+          <c:marker>
+            <c:symbol val="none"/>
+          </c:marker>
+          <c:cat>
+            <c:numRef>
+              <c:f>Sheet1!$A$4:$A$82</c:f>
+              <c:numCache>
+                <c:formatCode>General</c:formatCode>
+                <c:ptCount val="79"/>
+                <c:pt idx="0">
+                  <c:v>0</c:v>
+                </c:pt>
+                <c:pt idx="1">
+                  <c:v>1</c:v>
+                </c:pt>
+                <c:pt idx="2">
+                  <c:v>2</c:v>
+                </c:pt>
+                <c:pt idx="3">
+                  <c:v>3</c:v>
+                </c:pt>
+                <c:pt idx="4">
+                  <c:v>4</c:v>
+                </c:pt>
+                <c:pt idx="5">
+                  <c:v>5</c:v>
+                </c:pt>
+                <c:pt idx="6">
+                  <c:v>6</c:v>
+                </c:pt>
+                <c:pt idx="7">
+                  <c:v>7</c:v>
+                </c:pt>
+                <c:pt idx="8">
+                  <c:v>8</c:v>
+                </c:pt>
+                <c:pt idx="9">
+                  <c:v>9</c:v>
+                </c:pt>
+                <c:pt idx="10">
+                  <c:v>10</c:v>
+                </c:pt>
+                <c:pt idx="11">
+                  <c:v>11</c:v>
+                </c:pt>
+                <c:pt idx="12">
+                  <c:v>12</c:v>
+                </c:pt>
+                <c:pt idx="13">
+                  <c:v>13</c:v>
+                </c:pt>
+                <c:pt idx="14">
+                  <c:v>14</c:v>
+                </c:pt>
+                <c:pt idx="15">
+                  <c:v>15</c:v>
+                </c:pt>
+                <c:pt idx="16">
+                  <c:v>16</c:v>
+                </c:pt>
+                <c:pt idx="17">
+                  <c:v>17</c:v>
+                </c:pt>
+                <c:pt idx="18">
+                  <c:v>18</c:v>
+                </c:pt>
+                <c:pt idx="19">
+                  <c:v>19</c:v>
+                </c:pt>
+                <c:pt idx="20">
+                  <c:v>20</c:v>
+                </c:pt>
+                <c:pt idx="21">
+                  <c:v>21</c:v>
+                </c:pt>
+                <c:pt idx="22">
+                  <c:v>22</c:v>
+                </c:pt>
+                <c:pt idx="23">
+                  <c:v>23</c:v>
+                </c:pt>
+                <c:pt idx="24">
+                  <c:v>24</c:v>
+                </c:pt>
+                <c:pt idx="25">
+                  <c:v>25</c:v>
+                </c:pt>
+                <c:pt idx="26">
+                  <c:v>26</c:v>
+                </c:pt>
+                <c:pt idx="27">
+                  <c:v>27</c:v>
+                </c:pt>
+                <c:pt idx="28">
+                  <c:v>28</c:v>
+                </c:pt>
+                <c:pt idx="29">
+                  <c:v>29</c:v>
+                </c:pt>
+                <c:pt idx="30">
+                  <c:v>30</c:v>
+                </c:pt>
+                <c:pt idx="31">
+                  <c:v>31</c:v>
+                </c:pt>
+                <c:pt idx="32">
+                  <c:v>32</c:v>
+                </c:pt>
+                <c:pt idx="33">
+                  <c:v>33</c:v>
+                </c:pt>
+                <c:pt idx="34">
+                  <c:v>34</c:v>
+                </c:pt>
+                <c:pt idx="35">
+                  <c:v>35</c:v>
+                </c:pt>
+                <c:pt idx="36">
+                  <c:v>36</c:v>
+                </c:pt>
+                <c:pt idx="37">
+                  <c:v>37</c:v>
+                </c:pt>
+                <c:pt idx="38">
+                  <c:v>38</c:v>
+                </c:pt>
+                <c:pt idx="39">
+                  <c:v>39</c:v>
+                </c:pt>
+                <c:pt idx="40">
+                  <c:v>40</c:v>
+                </c:pt>
+                <c:pt idx="41">
+                  <c:v>41</c:v>
+                </c:pt>
+                <c:pt idx="42">
+                  <c:v>42</c:v>
+                </c:pt>
+                <c:pt idx="43">
+                  <c:v>43</c:v>
+                </c:pt>
+                <c:pt idx="44">
+                  <c:v>44</c:v>
+                </c:pt>
+                <c:pt idx="45">
+                  <c:v>45</c:v>
+                </c:pt>
+                <c:pt idx="46">
+                  <c:v>46</c:v>
+                </c:pt>
+                <c:pt idx="47">
+                  <c:v>47</c:v>
+                </c:pt>
+                <c:pt idx="48">
+                  <c:v>48</c:v>
+                </c:pt>
+                <c:pt idx="49">
+                  <c:v>49</c:v>
+                </c:pt>
+                <c:pt idx="50">
+                  <c:v>50</c:v>
+                </c:pt>
+                <c:pt idx="51">
+                  <c:v>51</c:v>
+                </c:pt>
+                <c:pt idx="52">
+                  <c:v>52</c:v>
+                </c:pt>
+                <c:pt idx="53">
+                  <c:v>53</c:v>
+                </c:pt>
+                <c:pt idx="54">
+                  <c:v>54</c:v>
+                </c:pt>
+                <c:pt idx="55">
+                  <c:v>55</c:v>
+                </c:pt>
+                <c:pt idx="56">
+                  <c:v>56</c:v>
+                </c:pt>
+                <c:pt idx="57">
+                  <c:v>57</c:v>
+                </c:pt>
+                <c:pt idx="58">
+                  <c:v>58</c:v>
+                </c:pt>
+                <c:pt idx="59">
+                  <c:v>59</c:v>
+                </c:pt>
+                <c:pt idx="60">
+                  <c:v>60</c:v>
+                </c:pt>
+                <c:pt idx="61">
+                  <c:v>61</c:v>
+                </c:pt>
+                <c:pt idx="62">
+                  <c:v>62</c:v>
+                </c:pt>
+                <c:pt idx="63">
+                  <c:v>63</c:v>
+                </c:pt>
+                <c:pt idx="64">
+                  <c:v>64</c:v>
+                </c:pt>
+                <c:pt idx="65">
+                  <c:v>65</c:v>
+                </c:pt>
+                <c:pt idx="66">
+                  <c:v>66</c:v>
+                </c:pt>
+                <c:pt idx="67">
+                  <c:v>67</c:v>
+                </c:pt>
+                <c:pt idx="68">
+                  <c:v>68</c:v>
+                </c:pt>
+                <c:pt idx="69">
+                  <c:v>69</c:v>
+                </c:pt>
+                <c:pt idx="70">
+                  <c:v>70</c:v>
+                </c:pt>
+                <c:pt idx="71">
+                  <c:v>71</c:v>
+                </c:pt>
+                <c:pt idx="72">
+                  <c:v>72</c:v>
+                </c:pt>
+                <c:pt idx="73">
+                  <c:v>73</c:v>
+                </c:pt>
+                <c:pt idx="74">
+                  <c:v>74</c:v>
+                </c:pt>
+                <c:pt idx="75">
+                  <c:v>75</c:v>
+                </c:pt>
+                <c:pt idx="76">
+                  <c:v>76</c:v>
+                </c:pt>
+                <c:pt idx="77">
+                  <c:v>77</c:v>
+                </c:pt>
+                <c:pt idx="78">
+                  <c:v>78</c:v>
+                </c:pt>
+              </c:numCache>
+            </c:numRef>
+          </c:cat>
+          <c:val>
+            <c:numRef>
+              <c:f>Sheet1!$E$4:$E$82</c:f>
+              <c:numCache>
+                <c:formatCode>General</c:formatCode>
+                <c:ptCount val="79"/>
+                <c:pt idx="0">
+                  <c:v>9</c:v>
+                </c:pt>
+                <c:pt idx="1">
+                  <c:v>10</c:v>
+                </c:pt>
+                <c:pt idx="2">
+                  <c:v>11</c:v>
+                </c:pt>
+                <c:pt idx="3">
+                  <c:v>12</c:v>
+                </c:pt>
+                <c:pt idx="4">
+                  <c:v>14</c:v>
+                </c:pt>
+                <c:pt idx="5">
+                  <c:v>11</c:v>
+                </c:pt>
+                <c:pt idx="6">
+                  <c:v>11</c:v>
+                </c:pt>
+                <c:pt idx="7">
+                  <c:v>15</c:v>
+                </c:pt>
+                <c:pt idx="8">
+                  <c:v>15</c:v>
+                </c:pt>
+                <c:pt idx="9">
+                  <c:v>13</c:v>
+                </c:pt>
+                <c:pt idx="10">
+                  <c:v>15</c:v>
+                </c:pt>
+                <c:pt idx="11">
+                  <c:v>10</c:v>
+                </c:pt>
+                <c:pt idx="12">
+                  <c:v>9</c:v>
+                </c:pt>
+                <c:pt idx="13">
+                  <c:v>14</c:v>
+                </c:pt>
+                <c:pt idx="14">
+                  <c:v>8</c:v>
+                </c:pt>
+                <c:pt idx="15">
+                  <c:v>14</c:v>
+                </c:pt>
+                <c:pt idx="16">
+                  <c:v>0</c:v>
+                </c:pt>
+                <c:pt idx="17">
+                  <c:v>11</c:v>
+                </c:pt>
+                <c:pt idx="18">
+                  <c:v>0</c:v>
+                </c:pt>
+                <c:pt idx="19">
+                  <c:v>16</c:v>
+                </c:pt>
+                <c:pt idx="20">
+                  <c:v>13</c:v>
+                </c:pt>
+                <c:pt idx="21">
+                  <c:v>7</c:v>
+                </c:pt>
+                <c:pt idx="22">
+                  <c:v>15</c:v>
+                </c:pt>
+                <c:pt idx="23">
+                  <c:v>10</c:v>
+                </c:pt>
+                <c:pt idx="24">
+                  <c:v>12</c:v>
+                </c:pt>
+                <c:pt idx="25">
+                  <c:v>10</c:v>
+                </c:pt>
+                <c:pt idx="26">
+                  <c:v>16</c:v>
+                </c:pt>
+                <c:pt idx="27">
+                  <c:v>0</c:v>
+                </c:pt>
+                <c:pt idx="28">
+                  <c:v>11</c:v>
+                </c:pt>
+                <c:pt idx="29">
+                  <c:v>14</c:v>
+                </c:pt>
+                <c:pt idx="30">
+                  <c:v>15</c:v>
+                </c:pt>
+                <c:pt idx="31">
+                  <c:v>10</c:v>
+                </c:pt>
+                <c:pt idx="32">
+                  <c:v>15</c:v>
+                </c:pt>
+                <c:pt idx="33">
+                  <c:v>13</c:v>
+                </c:pt>
+                <c:pt idx="34">
+                  <c:v>7</c:v>
+                </c:pt>
+                <c:pt idx="35">
+                  <c:v>11</c:v>
+                </c:pt>
+                <c:pt idx="36">
+                  <c:v>8</c:v>
+                </c:pt>
+                <c:pt idx="37">
+                  <c:v>10</c:v>
+                </c:pt>
+                <c:pt idx="38">
+                  <c:v>9</c:v>
+                </c:pt>
+                <c:pt idx="39">
+                  <c:v>0</c:v>
+                </c:pt>
+                <c:pt idx="40">
+                  <c:v>14</c:v>
+                </c:pt>
+                <c:pt idx="41">
+                  <c:v>11</c:v>
+                </c:pt>
+                <c:pt idx="42">
+                  <c:v>10</c:v>
+                </c:pt>
+                <c:pt idx="43">
+                  <c:v>16</c:v>
+                </c:pt>
+                <c:pt idx="44">
+                  <c:v>13</c:v>
+                </c:pt>
+                <c:pt idx="45">
+                  <c:v>12</c:v>
+                </c:pt>
+                <c:pt idx="46">
+                  <c:v>12</c:v>
+                </c:pt>
+                <c:pt idx="47">
+                  <c:v>16</c:v>
+                </c:pt>
+                <c:pt idx="48">
+                  <c:v>11</c:v>
+                </c:pt>
+                <c:pt idx="49">
+                  <c:v>10</c:v>
+                </c:pt>
+                <c:pt idx="50">
+                  <c:v>14</c:v>
+                </c:pt>
+                <c:pt idx="51">
+                  <c:v>0</c:v>
+                </c:pt>
+                <c:pt idx="52">
+                  <c:v>10</c:v>
+                </c:pt>
+                <c:pt idx="53">
+                  <c:v>13</c:v>
+                </c:pt>
+                <c:pt idx="54">
+                  <c:v>6</c:v>
+                </c:pt>
+                <c:pt idx="55">
+                  <c:v>12</c:v>
+                </c:pt>
+                <c:pt idx="56">
+                  <c:v>11</c:v>
+                </c:pt>
+                <c:pt idx="57">
+                  <c:v>5</c:v>
+                </c:pt>
+                <c:pt idx="58">
+                  <c:v>18</c:v>
+                </c:pt>
+                <c:pt idx="59">
+                  <c:v>10</c:v>
+                </c:pt>
+                <c:pt idx="60">
+                  <c:v>14</c:v>
+                </c:pt>
+                <c:pt idx="61">
+                  <c:v>10</c:v>
+                </c:pt>
+                <c:pt idx="62">
+                  <c:v>15</c:v>
+                </c:pt>
+                <c:pt idx="63">
+                  <c:v>9</c:v>
+                </c:pt>
+                <c:pt idx="64">
+                  <c:v>14</c:v>
+                </c:pt>
+                <c:pt idx="65">
+                  <c:v>6</c:v>
+                </c:pt>
+                <c:pt idx="66">
+                  <c:v>12</c:v>
+                </c:pt>
+                <c:pt idx="67">
+                  <c:v>0</c:v>
+                </c:pt>
+                <c:pt idx="68">
+                  <c:v>5</c:v>
+                </c:pt>
+                <c:pt idx="69">
+                  <c:v>11</c:v>
+                </c:pt>
+                <c:pt idx="70">
+                  <c:v>6</c:v>
+                </c:pt>
+                <c:pt idx="71">
+                  <c:v>0</c:v>
+                </c:pt>
+                <c:pt idx="72">
+                  <c:v>7</c:v>
+                </c:pt>
+                <c:pt idx="73">
+                  <c:v>0</c:v>
+                </c:pt>
+                <c:pt idx="74">
+                  <c:v>9</c:v>
+                </c:pt>
+                <c:pt idx="75">
+                  <c:v>15</c:v>
+                </c:pt>
+                <c:pt idx="76">
+                  <c:v>11</c:v>
+                </c:pt>
+                <c:pt idx="77">
+                  <c:v>11</c:v>
+                </c:pt>
+                <c:pt idx="78">
+                  <c:v>10</c:v>
+                </c:pt>
+              </c:numCache>
+            </c:numRef>
+          </c:val>
+          <c:smooth val="0"/>
+          <c:extLst>
+            <c:ext xmlns:c16="http://schemas.microsoft.com/office/drawing/2014/chart" uri="{C3380CC4-5D6E-409C-BE32-E72D297353CC}">
+              <c16:uniqueId val="{00000003-80F5-684A-B814-6287EA78E062}"/>
+            </c:ext>
+          </c:extLst>
+        </c:ser>
+        <c:dLbls>
+          <c:showLegendKey val="0"/>
+          <c:showVal val="0"/>
+          <c:showCatName val="0"/>
+          <c:showSerName val="0"/>
+          <c:showPercent val="0"/>
+          <c:showBubbleSize val="0"/>
+        </c:dLbls>
+        <c:smooth val="0"/>
+        <c:axId val="454063007"/>
+        <c:axId val="454432687"/>
+      </c:lineChart>
+      <c:catAx>
+        <c:axId val="454063007"/>
+        <c:scaling>
+          <c:orientation val="minMax"/>
+        </c:scaling>
+        <c:delete val="0"/>
+        <c:axPos val="b"/>
+        <c:numFmt formatCode="General" sourceLinked="1"/>
+        <c:majorTickMark val="none"/>
+        <c:minorTickMark val="none"/>
+        <c:tickLblPos val="nextTo"/>
+        <c:spPr>
+          <a:noFill/>
+          <a:ln w="9525" cap="flat" cmpd="sng" algn="ctr">
+            <a:solidFill>
+              <a:schemeClr val="tx1">
+                <a:lumMod val="15000"/>
+                <a:lumOff val="85000"/>
+              </a:schemeClr>
+            </a:solidFill>
+            <a:round/>
+          </a:ln>
+          <a:effectLst/>
+        </c:spPr>
+        <c:txPr>
+          <a:bodyPr rot="-60000000" spcFirstLastPara="1" vertOverflow="ellipsis" vert="horz" wrap="square" anchor="ctr" anchorCtr="1"/>
+          <a:lstStyle/>
+          <a:p>
+            <a:pPr>
+              <a:defRPr sz="900" b="0" i="0" u="none" strike="noStrike" kern="1200" baseline="0">
+                <a:solidFill>
+                  <a:schemeClr val="tx1">
+                    <a:lumMod val="65000"/>
+                    <a:lumOff val="35000"/>
+                  </a:schemeClr>
+                </a:solidFill>
+                <a:latin typeface="+mn-lt"/>
+                <a:ea typeface="+mn-ea"/>
+                <a:cs typeface="+mn-cs"/>
+              </a:defRPr>
+            </a:pPr>
+            <a:endParaRPr lang="en-US"/>
+          </a:p>
+        </c:txPr>
+        <c:crossAx val="454432687"/>
+        <c:crosses val="autoZero"/>
+        <c:auto val="1"/>
+        <c:lblAlgn val="ctr"/>
+        <c:lblOffset val="100"/>
+        <c:noMultiLvlLbl val="0"/>
+      </c:catAx>
+      <c:valAx>
+        <c:axId val="454432687"/>
+        <c:scaling>
+          <c:orientation val="minMax"/>
+        </c:scaling>
+        <c:delete val="0"/>
+        <c:axPos val="l"/>
+        <c:majorGridlines>
+          <c:spPr>
+            <a:ln w="9525" cap="flat" cmpd="sng" algn="ctr">
+              <a:solidFill>
+                <a:schemeClr val="tx1">
+                  <a:lumMod val="15000"/>
+                  <a:lumOff val="85000"/>
+                </a:schemeClr>
+              </a:solidFill>
+              <a:round/>
+            </a:ln>
+            <a:effectLst/>
+          </c:spPr>
+        </c:majorGridlines>
+        <c:numFmt formatCode="General" sourceLinked="1"/>
+        <c:majorTickMark val="none"/>
+        <c:minorTickMark val="none"/>
+        <c:tickLblPos val="nextTo"/>
+        <c:spPr>
+          <a:noFill/>
+          <a:ln>
+            <a:noFill/>
+          </a:ln>
+          <a:effectLst/>
+        </c:spPr>
+        <c:txPr>
+          <a:bodyPr rot="-60000000" spcFirstLastPara="1" vertOverflow="ellipsis" vert="horz" wrap="square" anchor="ctr" anchorCtr="1"/>
+          <a:lstStyle/>
+          <a:p>
+            <a:pPr>
+              <a:defRPr sz="900" b="0" i="0" u="none" strike="noStrike" kern="1200" baseline="0">
+                <a:solidFill>
+                  <a:schemeClr val="tx1">
+                    <a:lumMod val="65000"/>
+                    <a:lumOff val="35000"/>
+                  </a:schemeClr>
+                </a:solidFill>
+                <a:latin typeface="+mn-lt"/>
+                <a:ea typeface="+mn-ea"/>
+                <a:cs typeface="+mn-cs"/>
+              </a:defRPr>
+            </a:pPr>
+            <a:endParaRPr lang="en-US"/>
+          </a:p>
+        </c:txPr>
+        <c:crossAx val="454063007"/>
+        <c:crosses val="autoZero"/>
+        <c:crossBetween val="between"/>
+      </c:valAx>
+      <c:spPr>
+        <a:noFill/>
+        <a:ln>
+          <a:noFill/>
+        </a:ln>
+        <a:effectLst/>
+      </c:spPr>
+    </c:plotArea>
+    <c:legend>
+      <c:legendPos val="b"/>
+      <c:overlay val="0"/>
+      <c:spPr>
+        <a:noFill/>
+        <a:ln>
+          <a:noFill/>
+        </a:ln>
+        <a:effectLst/>
+      </c:spPr>
+      <c:txPr>
+        <a:bodyPr rot="0" spcFirstLastPara="1" vertOverflow="ellipsis" vert="horz" wrap="square" anchor="ctr" anchorCtr="1"/>
+        <a:lstStyle/>
+        <a:p>
+          <a:pPr>
+            <a:defRPr sz="900" b="0" i="0" u="none" strike="noStrike" kern="1200" baseline="0">
+              <a:solidFill>
+                <a:schemeClr val="tx1">
+                  <a:lumMod val="65000"/>
+                  <a:lumOff val="35000"/>
+                </a:schemeClr>
+              </a:solidFill>
+              <a:latin typeface="+mn-lt"/>
+              <a:ea typeface="+mn-ea"/>
+              <a:cs typeface="+mn-cs"/>
+            </a:defRPr>
+          </a:pPr>
+          <a:endParaRPr lang="en-US"/>
+        </a:p>
+      </c:txPr>
+    </c:legend>
+    <c:plotVisOnly val="1"/>
+    <c:dispBlanksAs val="gap"/>
+    <c:extLst>
+      <c:ext xmlns:c16r3="http://schemas.microsoft.com/office/drawing/2017/03/chart" uri="{56B9EC1D-385E-4148-901F-78D8002777C0}">
+        <c16r3:dataDisplayOptions16>
+          <c16r3:dispNaAsBlank val="1"/>
+        </c16r3:dataDisplayOptions16>
+      </c:ext>
+    </c:extLst>
+    <c:showDLblsOverMax val="0"/>
+  </c:chart>
+  <c:spPr>
+    <a:noFill/>
+    <a:ln>
+      <a:noFill/>
+    </a:ln>
+    <a:effectLst/>
+  </c:spPr>
+  <c:txPr>
+    <a:bodyPr/>
+    <a:lstStyle/>
+    <a:p>
+      <a:pPr>
+        <a:defRPr/>
+      </a:pPr>
+      <a:endParaRPr lang="en-US"/>
+    </a:p>
+  </c:txPr>
+  <c:externalData r:id="rId3">
+    <c:autoUpdate val="0"/>
+  </c:externalData>
+</c:chartSpace>
+</file>
+
+<file path=ppt/charts/colors1.xml><?xml version="1.0" encoding="utf-8"?>
+<cs:colorStyle xmlns:cs="http://schemas.microsoft.com/office/drawing/2012/chartStyle" xmlns:a="http://schemas.openxmlformats.org/drawingml/2006/main" meth="cycle" id="10">
+  <a:schemeClr val="accent1"/>
+  <a:schemeClr val="accent2"/>
+  <a:schemeClr val="accent3"/>
+  <a:schemeClr val="accent4"/>
+  <a:schemeClr val="accent5"/>
+  <a:schemeClr val="accent6"/>
+  <cs:variation/>
+  <cs:variation>
+    <a:lumMod val="60000"/>
+  </cs:variation>
+  <cs:variation>
+    <a:lumMod val="80000"/>
+    <a:lumOff val="20000"/>
+  </cs:variation>
+  <cs:variation>
+    <a:lumMod val="80000"/>
+  </cs:variation>
+  <cs:variation>
+    <a:lumMod val="60000"/>
+    <a:lumOff val="40000"/>
+  </cs:variation>
+  <cs:variation>
+    <a:lumMod val="50000"/>
+  </cs:variation>
+  <cs:variation>
+    <a:lumMod val="70000"/>
+    <a:lumOff val="30000"/>
+  </cs:variation>
+  <cs:variation>
+    <a:lumMod val="70000"/>
+  </cs:variation>
+  <cs:variation>
+    <a:lumMod val="50000"/>
+    <a:lumOff val="50000"/>
+  </cs:variation>
+</cs:colorStyle>
+</file>
+
+<file path=ppt/charts/style1.xml><?xml version="1.0" encoding="utf-8"?>
+<cs:chartStyle xmlns:cs="http://schemas.microsoft.com/office/drawing/2012/chartStyle" xmlns:a="http://schemas.openxmlformats.org/drawingml/2006/main" id="227">
+  <cs:axisTitle>
+    <cs:lnRef idx="0"/>
+    <cs:fillRef idx="0"/>
+    <cs:effectRef idx="0"/>
+    <cs:fontRef idx="minor">
+      <a:schemeClr val="tx1">
+        <a:lumMod val="65000"/>
+        <a:lumOff val="35000"/>
+      </a:schemeClr>
+    </cs:fontRef>
+    <cs:defRPr sz="1000" kern="1200"/>
+  </cs:axisTitle>
+  <cs:categoryAxis>
+    <cs:lnRef idx="0"/>
+    <cs:fillRef idx="0"/>
+    <cs:effectRef idx="0"/>
+    <cs:fontRef idx="minor">
+      <a:schemeClr val="tx1">
+        <a:lumMod val="65000"/>
+        <a:lumOff val="35000"/>
+      </a:schemeClr>
+    </cs:fontRef>
+    <cs:spPr>
+      <a:ln w="9525" cap="flat" cmpd="sng" algn="ctr">
+        <a:solidFill>
+          <a:schemeClr val="tx1">
+            <a:lumMod val="15000"/>
+            <a:lumOff val="85000"/>
+          </a:schemeClr>
+        </a:solidFill>
+        <a:round/>
+      </a:ln>
+    </cs:spPr>
+    <cs:defRPr sz="900" kern="1200"/>
+  </cs:categoryAxis>
+  <cs:chartArea mods="allowNoFillOverride allowNoLineOverride">
+    <cs:lnRef idx="0"/>
+    <cs:fillRef idx="0"/>
+    <cs:effectRef idx="0"/>
+    <cs:fontRef idx="minor">
+      <a:schemeClr val="tx1"/>
+    </cs:fontRef>
+    <cs:spPr>
+      <a:solidFill>
+        <a:schemeClr val="bg1"/>
+      </a:solidFill>
+      <a:ln w="9525" cap="flat" cmpd="sng" algn="ctr">
+        <a:solidFill>
+          <a:schemeClr val="tx1">
+            <a:lumMod val="15000"/>
+            <a:lumOff val="85000"/>
+          </a:schemeClr>
+        </a:solidFill>
+        <a:round/>
+      </a:ln>
+    </cs:spPr>
+    <cs:defRPr sz="1000" kern="1200"/>
+  </cs:chartArea>
+  <cs:dataLabel>
+    <cs:lnRef idx="0"/>
+    <cs:fillRef idx="0"/>
+    <cs:effectRef idx="0"/>
+    <cs:fontRef idx="minor">
+      <a:schemeClr val="tx1">
+        <a:lumMod val="75000"/>
+        <a:lumOff val="25000"/>
+      </a:schemeClr>
+    </cs:fontRef>
+    <cs:defRPr sz="900" kern="1200"/>
+  </cs:dataLabel>
+  <cs:dataLabelCallout>
+    <cs:lnRef idx="0"/>
+    <cs:fillRef idx="0"/>
+    <cs:effectRef idx="0"/>
+    <cs:fontRef idx="minor">
+      <a:schemeClr val="dk1">
+        <a:lumMod val="65000"/>
+        <a:lumOff val="35000"/>
+      </a:schemeClr>
+    </cs:fontRef>
+    <cs:spPr>
+      <a:solidFill>
+        <a:schemeClr val="lt1"/>
+      </a:solidFill>
+      <a:ln>
+        <a:solidFill>
+          <a:schemeClr val="dk1">
+            <a:lumMod val="25000"/>
+            <a:lumOff val="75000"/>
+          </a:schemeClr>
+        </a:solidFill>
+      </a:ln>
+    </cs:spPr>
+    <cs:defRPr sz="900" kern="1200"/>
+    <cs:bodyPr rot="0" spcFirstLastPara="1" vertOverflow="clip" horzOverflow="clip" vert="horz" wrap="square" lIns="36576" tIns="18288" rIns="36576" bIns="18288" anchor="ctr" anchorCtr="1">
+      <a:spAutoFit/>
+    </cs:bodyPr>
+  </cs:dataLabelCallout>
+  <cs:dataPoint>
+    <cs:lnRef idx="0"/>
+    <cs:fillRef idx="1">
+      <cs:styleClr val="auto"/>
+    </cs:fillRef>
+    <cs:effectRef idx="0"/>
+    <cs:fontRef idx="minor">
+      <a:schemeClr val="tx1"/>
+    </cs:fontRef>
+    <cs:spPr>
+      <a:solidFill>
+        <a:schemeClr val="phClr"/>
+      </a:solidFill>
+    </cs:spPr>
+  </cs:dataPoint>
+  <cs:dataPoint3D>
+    <cs:lnRef idx="0"/>
+    <cs:fillRef idx="1">
+      <cs:styleClr val="auto"/>
+    </cs:fillRef>
+    <cs:effectRef idx="0"/>
+    <cs:fontRef idx="minor">
+      <a:schemeClr val="tx1"/>
+    </cs:fontRef>
+    <cs:spPr>
+      <a:solidFill>
+        <a:schemeClr val="phClr"/>
+      </a:solidFill>
+    </cs:spPr>
+  </cs:dataPoint3D>
+  <cs:dataPointLine>
+    <cs:lnRef idx="0">
+      <cs:styleClr val="auto"/>
+    </cs:lnRef>
+    <cs:fillRef idx="1"/>
+    <cs:effectRef idx="0"/>
+    <cs:fontRef idx="minor">
+      <a:schemeClr val="tx1"/>
+    </cs:fontRef>
+    <cs:spPr>
+      <a:ln w="28575" cap="rnd">
+        <a:solidFill>
+          <a:schemeClr val="phClr"/>
+        </a:solidFill>
+        <a:round/>
+      </a:ln>
+    </cs:spPr>
+  </cs:dataPointLine>
+  <cs:dataPointMarker>
+    <cs:lnRef idx="0">
+      <cs:styleClr val="auto"/>
+    </cs:lnRef>
+    <cs:fillRef idx="1">
+      <cs:styleClr val="auto"/>
+    </cs:fillRef>
+    <cs:effectRef idx="0"/>
+    <cs:fontRef idx="minor">
+      <a:schemeClr val="tx1"/>
+    </cs:fontRef>
+    <cs:spPr>
+      <a:solidFill>
+        <a:schemeClr val="phClr"/>
+      </a:solidFill>
+      <a:ln w="9525">
+        <a:solidFill>
+          <a:schemeClr val="phClr"/>
+        </a:solidFill>
+      </a:ln>
+    </cs:spPr>
+  </cs:dataPointMarker>
+  <cs:dataPointMarkerLayout symbol="circle" size="5"/>
+  <cs:dataPointWireframe>
+    <cs:lnRef idx="0">
+      <cs:styleClr val="auto"/>
+    </cs:lnRef>
+    <cs:fillRef idx="1"/>
+    <cs:effectRef idx="0"/>
+    <cs:fontRef idx="minor">
+      <a:schemeClr val="tx1"/>
+    </cs:fontRef>
+    <cs:spPr>
+      <a:ln w="9525" cap="rnd">
+        <a:solidFill>
+          <a:schemeClr val="phClr"/>
+        </a:solidFill>
+        <a:round/>
+      </a:ln>
+    </cs:spPr>
+  </cs:dataPointWireframe>
+  <cs:dataTable>
+    <cs:lnRef idx="0"/>
+    <cs:fillRef idx="0"/>
+    <cs:effectRef idx="0"/>
+    <cs:fontRef idx="minor">
+      <a:schemeClr val="tx1">
+        <a:lumMod val="65000"/>
+        <a:lumOff val="35000"/>
+      </a:schemeClr>
+    </cs:fontRef>
+    <cs:spPr>
+      <a:noFill/>
+      <a:ln w="9525" cap="flat" cmpd="sng" algn="ctr">
+        <a:solidFill>
+          <a:schemeClr val="tx1">
+            <a:lumMod val="15000"/>
+            <a:lumOff val="85000"/>
+          </a:schemeClr>
+        </a:solidFill>
+        <a:round/>
+      </a:ln>
+    </cs:spPr>
+    <cs:defRPr sz="900" kern="1200"/>
+  </cs:dataTable>
+  <cs:downBar>
+    <cs:lnRef idx="0"/>
+    <cs:fillRef idx="0"/>
+    <cs:effectRef idx="0"/>
+    <cs:fontRef idx="minor">
+      <a:schemeClr val="dk1"/>
+    </cs:fontRef>
+    <cs:spPr>
+      <a:solidFill>
+        <a:schemeClr val="dk1">
+          <a:lumMod val="65000"/>
+          <a:lumOff val="35000"/>
+        </a:schemeClr>
+      </a:solidFill>
+      <a:ln w="9525">
+        <a:solidFill>
+          <a:schemeClr val="tx1">
+            <a:lumMod val="65000"/>
+            <a:lumOff val="35000"/>
+          </a:schemeClr>
+        </a:solidFill>
+      </a:ln>
+    </cs:spPr>
+  </cs:downBar>
+  <cs:dropLine>
+    <cs:lnRef idx="0"/>
+    <cs:fillRef idx="0"/>
+    <cs:effectRef idx="0"/>
+    <cs:fontRef idx="minor">
+      <a:schemeClr val="tx1"/>
+    </cs:fontRef>
+    <cs:spPr>
+      <a:ln w="9525" cap="flat" cmpd="sng" algn="ctr">
+        <a:solidFill>
+          <a:schemeClr val="tx1">
+            <a:lumMod val="35000"/>
+            <a:lumOff val="65000"/>
+          </a:schemeClr>
+        </a:solidFill>
+        <a:round/>
+      </a:ln>
+    </cs:spPr>
+  </cs:dropLine>
+  <cs:errorBar>
+    <cs:lnRef idx="0"/>
+    <cs:fillRef idx="0"/>
+    <cs:effectRef idx="0"/>
+    <cs:fontRef idx="minor">
+      <a:schemeClr val="tx1"/>
+    </cs:fontRef>
+    <cs:spPr>
+      <a:ln w="9525" cap="flat" cmpd="sng" algn="ctr">
+        <a:solidFill>
+          <a:schemeClr val="tx1">
+            <a:lumMod val="65000"/>
+            <a:lumOff val="35000"/>
+          </a:schemeClr>
+        </a:solidFill>
+        <a:round/>
+      </a:ln>
+    </cs:spPr>
+  </cs:errorBar>
+  <cs:floor>
+    <cs:lnRef idx="0"/>
+    <cs:fillRef idx="0"/>
+    <cs:effectRef idx="0"/>
+    <cs:fontRef idx="minor">
+      <a:schemeClr val="tx1"/>
+    </cs:fontRef>
+    <cs:spPr>
+      <a:noFill/>
+      <a:ln>
+        <a:noFill/>
+      </a:ln>
+    </cs:spPr>
+  </cs:floor>
+  <cs:gridlineMajor>
+    <cs:lnRef idx="0"/>
+    <cs:fillRef idx="0"/>
+    <cs:effectRef idx="0"/>
+    <cs:fontRef idx="minor">
+      <a:schemeClr val="tx1"/>
+    </cs:fontRef>
+    <cs:spPr>
+      <a:ln w="9525" cap="flat" cmpd="sng" algn="ctr">
+        <a:solidFill>
+          <a:schemeClr val="tx1">
+            <a:lumMod val="15000"/>
+            <a:lumOff val="85000"/>
+          </a:schemeClr>
+        </a:solidFill>
+        <a:round/>
+      </a:ln>
+    </cs:spPr>
+  </cs:gridlineMajor>
+  <cs:gridlineMinor>
+    <cs:lnRef idx="0"/>
+    <cs:fillRef idx="0"/>
+    <cs:effectRef idx="0"/>
+    <cs:fontRef idx="minor">
+      <a:schemeClr val="tx1"/>
+    </cs:fontRef>
+    <cs:spPr>
+      <a:ln w="9525" cap="flat" cmpd="sng" algn="ctr">
+        <a:solidFill>
+          <a:schemeClr val="tx1">
+            <a:lumMod val="5000"/>
+            <a:lumOff val="95000"/>
+          </a:schemeClr>
+        </a:solidFill>
+        <a:round/>
+      </a:ln>
+    </cs:spPr>
+  </cs:gridlineMinor>
+  <cs:hiLoLine>
+    <cs:lnRef idx="0"/>
+    <cs:fillRef idx="0"/>
+    <cs:effectRef idx="0"/>
+    <cs:fontRef idx="minor">
+      <a:schemeClr val="tx1"/>
+    </cs:fontRef>
+    <cs:spPr>
+      <a:ln w="9525" cap="flat" cmpd="sng" algn="ctr">
+        <a:solidFill>
+          <a:schemeClr val="tx1">
+            <a:lumMod val="75000"/>
+            <a:lumOff val="25000"/>
+          </a:schemeClr>
+        </a:solidFill>
+        <a:round/>
+      </a:ln>
+    </cs:spPr>
+  </cs:hiLoLine>
+  <cs:leaderLine>
+    <cs:lnRef idx="0"/>
+    <cs:fillRef idx="0"/>
+    <cs:effectRef idx="0"/>
+    <cs:fontRef idx="minor">
+      <a:schemeClr val="tx1"/>
+    </cs:fontRef>
+    <cs:spPr>
+      <a:ln w="9525" cap="flat" cmpd="sng" algn="ctr">
+        <a:solidFill>
+          <a:schemeClr val="tx1">
+            <a:lumMod val="35000"/>
+            <a:lumOff val="65000"/>
+          </a:schemeClr>
+        </a:solidFill>
+        <a:round/>
+      </a:ln>
+    </cs:spPr>
+  </cs:leaderLine>
+  <cs:legend>
+    <cs:lnRef idx="0"/>
+    <cs:fillRef idx="0"/>
+    <cs:effectRef idx="0"/>
+    <cs:fontRef idx="minor">
+      <a:schemeClr val="tx1">
+        <a:lumMod val="65000"/>
+        <a:lumOff val="35000"/>
+      </a:schemeClr>
+    </cs:fontRef>
+    <cs:defRPr sz="900" kern="1200"/>
+  </cs:legend>
+  <cs:plotArea mods="allowNoFillOverride allowNoLineOverride">
+    <cs:lnRef idx="0"/>
+    <cs:fillRef idx="0"/>
+    <cs:effectRef idx="0"/>
+    <cs:fontRef idx="minor">
+      <a:schemeClr val="tx1"/>
+    </cs:fontRef>
+  </cs:plotArea>
+  <cs:plotArea3D mods="allowNoFillOverride allowNoLineOverride">
+    <cs:lnRef idx="0"/>
+    <cs:fillRef idx="0"/>
+    <cs:effectRef idx="0"/>
+    <cs:fontRef idx="minor">
+      <a:schemeClr val="tx1"/>
+    </cs:fontRef>
+  </cs:plotArea3D>
+  <cs:seriesAxis>
+    <cs:lnRef idx="0"/>
+    <cs:fillRef idx="0"/>
+    <cs:effectRef idx="0"/>
+    <cs:fontRef idx="minor">
+      <a:schemeClr val="tx1">
+        <a:lumMod val="65000"/>
+        <a:lumOff val="35000"/>
+      </a:schemeClr>
+    </cs:fontRef>
+    <cs:defRPr sz="900" kern="1200"/>
+  </cs:seriesAxis>
+  <cs:seriesLine>
+    <cs:lnRef idx="0"/>
+    <cs:fillRef idx="0"/>
+    <cs:effectRef idx="0"/>
+    <cs:fontRef idx="minor">
+      <a:schemeClr val="tx1"/>
+    </cs:fontRef>
+    <cs:spPr>
+      <a:ln w="9525" cap="flat" cmpd="sng" algn="ctr">
+        <a:solidFill>
+          <a:schemeClr val="tx1">
+            <a:lumMod val="35000"/>
+            <a:lumOff val="65000"/>
+          </a:schemeClr>
+        </a:solidFill>
+        <a:round/>
+      </a:ln>
+    </cs:spPr>
+  </cs:seriesLine>
+  <cs:title>
+    <cs:lnRef idx="0"/>
+    <cs:fillRef idx="0"/>
+    <cs:effectRef idx="0"/>
+    <cs:fontRef idx="minor">
+      <a:schemeClr val="tx1">
+        <a:lumMod val="65000"/>
+        <a:lumOff val="35000"/>
+      </a:schemeClr>
+    </cs:fontRef>
+    <cs:defRPr sz="1400" b="0" kern="1200" spc="0" baseline="0"/>
+  </cs:title>
+  <cs:trendline>
+    <cs:lnRef idx="0">
+      <cs:styleClr val="auto"/>
+    </cs:lnRef>
+    <cs:fillRef idx="0"/>
+    <cs:effectRef idx="0"/>
+    <cs:fontRef idx="minor">
+      <a:schemeClr val="tx1"/>
+    </cs:fontRef>
+    <cs:spPr>
+      <a:ln w="19050" cap="rnd">
+        <a:solidFill>
+          <a:schemeClr val="phClr"/>
+        </a:solidFill>
+        <a:prstDash val="sysDot"/>
+      </a:ln>
+    </cs:spPr>
+  </cs:trendline>
+  <cs:trendlineLabel>
+    <cs:lnRef idx="0"/>
+    <cs:fillRef idx="0"/>
+    <cs:effectRef idx="0"/>
+    <cs:fontRef idx="minor">
+      <a:schemeClr val="tx1">
+        <a:lumMod val="65000"/>
+        <a:lumOff val="35000"/>
+      </a:schemeClr>
+    </cs:fontRef>
+    <cs:defRPr sz="900" kern="1200"/>
+  </cs:trendlineLabel>
+  <cs:upBar>
+    <cs:lnRef idx="0"/>
+    <cs:fillRef idx="0"/>
+    <cs:effectRef idx="0"/>
+    <cs:fontRef idx="minor">
+      <a:schemeClr val="dk1"/>
+    </cs:fontRef>
+    <cs:spPr>
+      <a:solidFill>
+        <a:schemeClr val="lt1"/>
+      </a:solidFill>
+      <a:ln w="9525">
+        <a:solidFill>
+          <a:schemeClr val="tx1">
+            <a:lumMod val="15000"/>
+            <a:lumOff val="85000"/>
+          </a:schemeClr>
+        </a:solidFill>
+      </a:ln>
+    </cs:spPr>
+  </cs:upBar>
+  <cs:valueAxis>
+    <cs:lnRef idx="0"/>
+    <cs:fillRef idx="0"/>
+    <cs:effectRef idx="0"/>
+    <cs:fontRef idx="minor">
+      <a:schemeClr val="tx1">
+        <a:lumMod val="65000"/>
+        <a:lumOff val="35000"/>
+      </a:schemeClr>
+    </cs:fontRef>
+    <cs:defRPr sz="900" kern="1200"/>
+  </cs:valueAxis>
+  <cs:wall>
+    <cs:lnRef idx="0"/>
+    <cs:fillRef idx="0"/>
+    <cs:effectRef idx="0"/>
+    <cs:fontRef idx="minor">
+      <a:schemeClr val="tx1"/>
+    </cs:fontRef>
+    <cs:spPr>
+      <a:noFill/>
+      <a:ln>
+        <a:noFill/>
+      </a:ln>
+    </cs:spPr>
+  </cs:wall>
+</cs:chartStyle>
 </file>
 
 <file path=ppt/ink/ink1.xml><?xml version="1.0" encoding="utf-8"?>
@@ -1512,7 +4436,7 @@
             <a:fld id="{9334D819-9F07-4261-B09B-9E467E5D9002}" type="datetimeFigureOut">
               <a:rPr lang="en-US" dirty="0"/>
               <a:pPr/>
-              <a:t>9/21/21</a:t>
+              <a:t>9/22/21</a:t>
             </a:fld>
             <a:endParaRPr lang="en-US" dirty="0"/>
           </a:p>
@@ -1746,7 +4670,7 @@
           <a:p>
             <a:fld id="{9334D819-9F07-4261-B09B-9E467E5D9002}" type="datetimeFigureOut">
               <a:rPr lang="en-US" dirty="0"/>
-              <a:t>9/21/21</a:t>
+              <a:t>9/22/21</a:t>
             </a:fld>
             <a:endParaRPr lang="en-US" dirty="0"/>
           </a:p>
@@ -1921,7 +4845,7 @@
           <a:p>
             <a:fld id="{9334D819-9F07-4261-B09B-9E467E5D9002}" type="datetimeFigureOut">
               <a:rPr lang="en-US" dirty="0"/>
-              <a:t>9/21/21</a:t>
+              <a:t>9/22/21</a:t>
             </a:fld>
             <a:endParaRPr lang="en-US" dirty="0"/>
           </a:p>
@@ -2086,7 +5010,7 @@
           <a:p>
             <a:fld id="{9334D819-9F07-4261-B09B-9E467E5D9002}" type="datetimeFigureOut">
               <a:rPr lang="en-US" dirty="0"/>
-              <a:t>9/21/21</a:t>
+              <a:t>9/22/21</a:t>
             </a:fld>
             <a:endParaRPr lang="en-US" dirty="0"/>
           </a:p>
@@ -2358,7 +5282,7 @@
             <a:fld id="{9334D819-9F07-4261-B09B-9E467E5D9002}" type="datetimeFigureOut">
               <a:rPr lang="en-US" dirty="0"/>
               <a:pPr/>
-              <a:t>9/21/21</a:t>
+              <a:t>9/22/21</a:t>
             </a:fld>
             <a:endParaRPr lang="en-US" dirty="0"/>
           </a:p>
@@ -3555,7 +6479,7 @@
           <a:p>
             <a:fld id="{9334D819-9F07-4261-B09B-9E467E5D9002}" type="datetimeFigureOut">
               <a:rPr lang="en-US" dirty="0"/>
-              <a:t>9/21/21</a:t>
+              <a:t>9/22/21</a:t>
             </a:fld>
             <a:endParaRPr lang="en-US" dirty="0"/>
           </a:p>
@@ -3940,7 +6864,7 @@
           <a:p>
             <a:fld id="{9334D819-9F07-4261-B09B-9E467E5D9002}" type="datetimeFigureOut">
               <a:rPr lang="en-US" dirty="0"/>
-              <a:t>9/21/21</a:t>
+              <a:t>9/22/21</a:t>
             </a:fld>
             <a:endParaRPr lang="en-US" dirty="0"/>
           </a:p>
@@ -4058,7 +6982,7 @@
           <a:p>
             <a:fld id="{9334D819-9F07-4261-B09B-9E467E5D9002}" type="datetimeFigureOut">
               <a:rPr lang="en-US" dirty="0"/>
-              <a:t>9/21/21</a:t>
+              <a:t>9/22/21</a:t>
             </a:fld>
             <a:endParaRPr lang="en-US" dirty="0"/>
           </a:p>
@@ -4148,7 +7072,7 @@
           <a:p>
             <a:fld id="{9334D819-9F07-4261-B09B-9E467E5D9002}" type="datetimeFigureOut">
               <a:rPr lang="en-US" dirty="0"/>
-              <a:t>9/21/21</a:t>
+              <a:t>9/22/21</a:t>
             </a:fld>
             <a:endParaRPr lang="en-US" dirty="0"/>
           </a:p>
@@ -4906,7 +7830,7 @@
           <a:p>
             <a:fld id="{9334D819-9F07-4261-B09B-9E467E5D9002}" type="datetimeFigureOut">
               <a:rPr lang="en-US" dirty="0"/>
-              <a:t>9/21/21</a:t>
+              <a:t>9/22/21</a:t>
             </a:fld>
             <a:endParaRPr lang="en-US" dirty="0"/>
           </a:p>
@@ -5741,7 +8665,7 @@
           <a:p>
             <a:fld id="{9334D819-9F07-4261-B09B-9E467E5D9002}" type="datetimeFigureOut">
               <a:rPr lang="en-US" dirty="0"/>
-              <a:t>9/21/21</a:t>
+              <a:t>9/22/21</a:t>
             </a:fld>
             <a:endParaRPr lang="en-US" dirty="0"/>
           </a:p>
@@ -5964,7 +8888,7 @@
             <a:fld id="{9334D819-9F07-4261-B09B-9E467E5D9002}" type="datetimeFigureOut">
               <a:rPr lang="en-US" dirty="0"/>
               <a:pPr/>
-              <a:t>9/21/21</a:t>
+              <a:t>9/22/21</a:t>
             </a:fld>
             <a:endParaRPr lang="en-US" dirty="0"/>
           </a:p>
@@ -7073,6 +9997,230 @@
 </p:sld>
 </file>
 
+<file path=ppt/slides/slide10.xml><?xml version="1.0" encoding="utf-8"?>
+<p:sld xmlns:a="http://schemas.openxmlformats.org/drawingml/2006/main" xmlns:r="http://schemas.openxmlformats.org/officeDocument/2006/relationships" xmlns:p="http://schemas.openxmlformats.org/presentationml/2006/main">
+  <p:cSld>
+    <p:spTree>
+      <p:nvGrpSpPr>
+        <p:cNvPr id="1" name=""/>
+        <p:cNvGrpSpPr/>
+        <p:nvPr/>
+      </p:nvGrpSpPr>
+      <p:grpSpPr>
+        <a:xfrm>
+          <a:off x="0" y="0"/>
+          <a:ext cx="0" cy="0"/>
+          <a:chOff x="0" y="0"/>
+          <a:chExt cx="0" cy="0"/>
+        </a:xfrm>
+      </p:grpSpPr>
+      <p:sp>
+        <p:nvSpPr>
+          <p:cNvPr id="2" name="Title 1">
+            <a:extLst>
+              <a:ext uri="{FF2B5EF4-FFF2-40B4-BE49-F238E27FC236}">
+                <a16:creationId xmlns:a16="http://schemas.microsoft.com/office/drawing/2014/main" id="{D3446260-DDFC-324E-97AF-CB4028F4334E}"/>
+              </a:ext>
+            </a:extLst>
+          </p:cNvPr>
+          <p:cNvSpPr>
+            <a:spLocks noGrp="1"/>
+          </p:cNvSpPr>
+          <p:nvPr>
+            <p:ph type="title"/>
+          </p:nvPr>
+        </p:nvSpPr>
+        <p:spPr/>
+        <p:txBody>
+          <a:bodyPr/>
+          <a:lstStyle/>
+          <a:p>
+            <a:r>
+              <a:rPr lang="en-US" dirty="0"/>
+              <a:t>References</a:t>
+            </a:r>
+          </a:p>
+        </p:txBody>
+      </p:sp>
+      <p:sp>
+        <p:nvSpPr>
+          <p:cNvPr id="3" name="Content Placeholder 2">
+            <a:extLst>
+              <a:ext uri="{FF2B5EF4-FFF2-40B4-BE49-F238E27FC236}">
+                <a16:creationId xmlns:a16="http://schemas.microsoft.com/office/drawing/2014/main" id="{330468C7-02A5-424C-984D-3227542AAB39}"/>
+              </a:ext>
+            </a:extLst>
+          </p:cNvPr>
+          <p:cNvSpPr>
+            <a:spLocks noGrp="1"/>
+          </p:cNvSpPr>
+          <p:nvPr>
+            <p:ph idx="1"/>
+          </p:nvPr>
+        </p:nvSpPr>
+        <p:spPr>
+          <a:xfrm>
+            <a:off x="1251678" y="1528764"/>
+            <a:ext cx="10178322" cy="5086349"/>
+          </a:xfrm>
+        </p:spPr>
+        <p:txBody>
+          <a:bodyPr>
+            <a:normAutofit/>
+          </a:bodyPr>
+          <a:lstStyle/>
+          <a:p>
+            <a:r>
+              <a:rPr lang="en-US" dirty="0"/>
+              <a:t>Szabo, B. (2020, May 26). </a:t>
+            </a:r>
+            <a:r>
+              <a:rPr lang="en-US" i="1" dirty="0"/>
+              <a:t>How to create a seaborn correlation heatmap in python?</a:t>
+            </a:r>
+            <a:r>
+              <a:rPr lang="en-US" dirty="0"/>
+              <a:t> Medium. Retrieved September 22, 2021, from https://</a:t>
+            </a:r>
+            <a:r>
+              <a:rPr lang="en-US" dirty="0" err="1"/>
+              <a:t>medium.com</a:t>
+            </a:r>
+            <a:r>
+              <a:rPr lang="en-US" dirty="0"/>
+              <a:t>/@</a:t>
+            </a:r>
+            <a:r>
+              <a:rPr lang="en-US" dirty="0" err="1"/>
+              <a:t>szabo.bibor</a:t>
+            </a:r>
+            <a:r>
+              <a:rPr lang="en-US" dirty="0"/>
+              <a:t>/how-to-create-a-seaborn-correlation-heatmap-in-python-834c0686b88e. </a:t>
+            </a:r>
+          </a:p>
+          <a:p>
+            <a:r>
+              <a:rPr lang="en-US" dirty="0"/>
+              <a:t>YouTube. (2021, April 19). </a:t>
+            </a:r>
+            <a:r>
+              <a:rPr lang="en-US" i="1" dirty="0"/>
+              <a:t>MATPLOTLIB 3D plots including Scatter 3D and surface plots for matplotlib Python || Matplotlib Tips</a:t>
+            </a:r>
+            <a:r>
+              <a:rPr lang="en-US" dirty="0"/>
+              <a:t>. YouTube. Retrieved September 22, 2021, from https://</a:t>
+            </a:r>
+            <a:r>
+              <a:rPr lang="en-US" dirty="0" err="1"/>
+              <a:t>www.youtube.com</a:t>
+            </a:r>
+            <a:r>
+              <a:rPr lang="en-US" dirty="0"/>
+              <a:t>/</a:t>
+            </a:r>
+            <a:r>
+              <a:rPr lang="en-US" dirty="0" err="1"/>
+              <a:t>watch?v</a:t>
+            </a:r>
+            <a:r>
+              <a:rPr lang="en-US" dirty="0"/>
+              <a:t>=</a:t>
+            </a:r>
+            <a:r>
+              <a:rPr lang="en-US" dirty="0" err="1"/>
+              <a:t>gqoLLGgbeAE</a:t>
+            </a:r>
+            <a:r>
+              <a:rPr lang="en-US" dirty="0"/>
+              <a:t>. </a:t>
+            </a:r>
+          </a:p>
+          <a:p>
+            <a:r>
+              <a:rPr lang="en-US" i="1" dirty="0" err="1"/>
+              <a:t>sklearn.preprocessing.onehotencoder</a:t>
+            </a:r>
+            <a:r>
+              <a:rPr lang="en-US" dirty="0"/>
+              <a:t>. scikit. (n.d.). Retrieved September 22, 2021, from https://scikit-</a:t>
+            </a:r>
+            <a:r>
+              <a:rPr lang="en-US" dirty="0" err="1"/>
+              <a:t>learn.org</a:t>
+            </a:r>
+            <a:r>
+              <a:rPr lang="en-US" dirty="0"/>
+              <a:t>/stable/modules/generated/</a:t>
+            </a:r>
+            <a:r>
+              <a:rPr lang="en-US" dirty="0" err="1"/>
+              <a:t>sklearn.preprocessing.OneHotEncoder.html</a:t>
+            </a:r>
+            <a:r>
+              <a:rPr lang="en-US" dirty="0"/>
+              <a:t>. </a:t>
+            </a:r>
+            <a:endParaRPr lang="en-US" dirty="0">
+              <a:hlinkClick r:id="rId2"/>
+            </a:endParaRPr>
+          </a:p>
+          <a:p>
+            <a:r>
+              <a:rPr lang="en-US" dirty="0" err="1"/>
+              <a:t>Girgin</a:t>
+            </a:r>
+            <a:r>
+              <a:rPr lang="en-US" dirty="0"/>
+              <a:t>, S. (2019, July 2). </a:t>
+            </a:r>
+            <a:r>
+              <a:rPr lang="en-US" i="1" dirty="0"/>
+              <a:t>Decision tree regression in 6 steps with python</a:t>
+            </a:r>
+            <a:r>
+              <a:rPr lang="en-US" dirty="0"/>
+              <a:t>. Medium. Retrieved September 22, 2021, from https://</a:t>
+            </a:r>
+            <a:r>
+              <a:rPr lang="en-US" dirty="0" err="1"/>
+              <a:t>medium.com</a:t>
+            </a:r>
+            <a:r>
+              <a:rPr lang="en-US" dirty="0"/>
+              <a:t>/</a:t>
+            </a:r>
+            <a:r>
+              <a:rPr lang="en-US" dirty="0" err="1"/>
+              <a:t>pursuitnotes</a:t>
+            </a:r>
+            <a:r>
+              <a:rPr lang="en-US" dirty="0"/>
+              <a:t>/decision-tree-regression-in-6-steps-with-python-1a1c5aa2ee16. </a:t>
+            </a:r>
+          </a:p>
+          <a:p>
+            <a:endParaRPr lang="en-US" dirty="0"/>
+          </a:p>
+          <a:p>
+            <a:endParaRPr lang="en-US" dirty="0"/>
+          </a:p>
+        </p:txBody>
+      </p:sp>
+    </p:spTree>
+    <p:extLst>
+      <p:ext uri="{BB962C8B-B14F-4D97-AF65-F5344CB8AC3E}">
+        <p14:creationId xmlns:p14="http://schemas.microsoft.com/office/powerpoint/2010/main" val="1085262464"/>
+      </p:ext>
+    </p:extLst>
+  </p:cSld>
+  <p:clrMapOvr>
+    <a:masterClrMapping/>
+  </p:clrMapOvr>
+</p:sld>
+</file>
+
 <file path=ppt/slides/slide2.xml><?xml version="1.0" encoding="utf-8"?>
 <p:sld xmlns:a="http://schemas.openxmlformats.org/drawingml/2006/main" xmlns:r="http://schemas.openxmlformats.org/officeDocument/2006/relationships" xmlns:p="http://schemas.openxmlformats.org/presentationml/2006/main">
   <p:cSld>
@@ -8679,8 +11827,8 @@
           </a:prstGeom>
         </p:spPr>
       </p:pic>
-      <mc:AlternateContent xmlns:mc="http://schemas.openxmlformats.org/markup-compatibility/2006">
-        <mc:Choice xmlns:p14="http://schemas.microsoft.com/office/powerpoint/2010/main" Requires="p14">
+      <mc:AlternateContent xmlns:mc="http://schemas.openxmlformats.org/markup-compatibility/2006" xmlns:p14="http://schemas.microsoft.com/office/powerpoint/2010/main">
+        <mc:Choice Requires="p14">
           <p:contentPart p14:bwMode="auto" r:id="rId4">
             <p14:nvContentPartPr>
               <p14:cNvPr id="3" name="Ink 2">
@@ -8699,7 +11847,7 @@
             </p14:xfrm>
           </p:contentPart>
         </mc:Choice>
-        <mc:Fallback>
+        <mc:Fallback xmlns="">
           <p:pic>
             <p:nvPicPr>
               <p:cNvPr id="3" name="Ink 2">
@@ -10160,7 +13308,7 @@
         <p:spPr>
           <a:xfrm>
             <a:off x="283464" y="1874517"/>
-            <a:ext cx="7285735" cy="4189614"/>
+            <a:ext cx="7285735" cy="4601098"/>
           </a:xfrm>
         </p:spPr>
         <p:txBody>
@@ -10361,7 +13509,7 @@
               </a:lnSpc>
             </a:pPr>
             <a:r>
-              <a:rPr lang="en-US" sz="1600" dirty="0"/>
+              <a:rPr lang="en-US" sz="1400" dirty="0"/>
               <a:t>Hypothesis 4 additional categorical feature:</a:t>
             </a:r>
           </a:p>
@@ -10373,11 +13521,19 @@
             </a:pPr>
             <a:r>
               <a:rPr lang="en-US" sz="1400" b="1" dirty="0"/>
-              <a:t>Sex</a:t>
+              <a:t>school</a:t>
             </a:r>
             <a:r>
               <a:rPr lang="en-US" sz="1400" dirty="0"/>
-              <a:t>: student's sex (binary: 'F' - female or 'M' - male) </a:t>
+              <a:t> - student's school (binary: 'GP' - Gabriel Pereira or 'MS' - </a:t>
+            </a:r>
+            <a:r>
+              <a:rPr lang="en-US" sz="1400" dirty="0" err="1"/>
+              <a:t>Mousinho</a:t>
+            </a:r>
+            <a:r>
+              <a:rPr lang="en-US" sz="1400" dirty="0"/>
+              <a:t> da Silveira) </a:t>
             </a:r>
             <a:r>
               <a:rPr lang="en-US" sz="1400" b="1" dirty="0"/>
@@ -10932,8 +14088,8 @@
           </a:p>
         </p:txBody>
       </p:sp>
-      <mc:AlternateContent xmlns:mc="http://schemas.openxmlformats.org/markup-compatibility/2006">
-        <mc:Choice xmlns:a14="http://schemas.microsoft.com/office/drawing/2010/main" Requires="a14">
+      <mc:AlternateContent xmlns:mc="http://schemas.openxmlformats.org/markup-compatibility/2006" xmlns:a14="http://schemas.microsoft.com/office/drawing/2010/main">
+        <mc:Choice Requires="a14">
           <p:sp>
             <p:nvSpPr>
               <p:cNvPr id="6" name="TextBox 5">
@@ -10962,6 +14118,7 @@
               </a:bodyPr>
               <a:lstStyle/>
               <a:p>
+                <a:pPr/>
                 <a14:m>
                   <m:oMathPara xmlns:m="http://schemas.openxmlformats.org/officeDocument/2006/math">
                     <m:oMathParaPr>
@@ -11082,7 +14239,7 @@
             </p:txBody>
           </p:sp>
         </mc:Choice>
-        <mc:Fallback>
+        <mc:Fallback xmlns="">
           <p:sp>
             <p:nvSpPr>
               <p:cNvPr id="6" name="TextBox 5">
@@ -11127,8 +14284,8 @@
           </p:sp>
         </mc:Fallback>
       </mc:AlternateContent>
-      <mc:AlternateContent xmlns:mc="http://schemas.openxmlformats.org/markup-compatibility/2006">
-        <mc:Choice xmlns:a14="http://schemas.microsoft.com/office/drawing/2010/main" Requires="a14">
+      <mc:AlternateContent xmlns:mc="http://schemas.openxmlformats.org/markup-compatibility/2006" xmlns:a14="http://schemas.microsoft.com/office/drawing/2010/main">
+        <mc:Choice Requires="a14">
           <p:sp>
             <p:nvSpPr>
               <p:cNvPr id="7" name="TextBox 6">
@@ -11157,6 +14314,7 @@
               </a:bodyPr>
               <a:lstStyle/>
               <a:p>
+                <a:pPr/>
                 <a14:m>
                   <m:oMathPara xmlns:m="http://schemas.openxmlformats.org/officeDocument/2006/math">
                     <m:oMathParaPr>
@@ -11241,7 +14399,7 @@
             </p:txBody>
           </p:sp>
         </mc:Choice>
-        <mc:Fallback>
+        <mc:Fallback xmlns="">
           <p:sp>
             <p:nvSpPr>
               <p:cNvPr id="7" name="TextBox 6">
@@ -11370,8 +14528,8 @@
           </a:p>
         </p:txBody>
       </p:sp>
-      <mc:AlternateContent xmlns:mc="http://schemas.openxmlformats.org/markup-compatibility/2006">
-        <mc:Choice xmlns:a14="http://schemas.microsoft.com/office/drawing/2010/main" Requires="a14">
+      <mc:AlternateContent xmlns:mc="http://schemas.openxmlformats.org/markup-compatibility/2006" xmlns:a14="http://schemas.microsoft.com/office/drawing/2010/main">
+        <mc:Choice Requires="a14">
           <p:sp>
             <p:nvSpPr>
               <p:cNvPr id="10" name="TextBox 9">
@@ -11400,6 +14558,7 @@
               </a:bodyPr>
               <a:lstStyle/>
               <a:p>
+                <a:pPr/>
                 <a14:m>
                   <m:oMathPara xmlns:m="http://schemas.openxmlformats.org/officeDocument/2006/math">
                     <m:oMathParaPr>
@@ -11484,7 +14643,7 @@
             </p:txBody>
           </p:sp>
         </mc:Choice>
-        <mc:Fallback>
+        <mc:Fallback xmlns="">
           <p:sp>
             <p:nvSpPr>
               <p:cNvPr id="10" name="TextBox 9">
@@ -15669,6 +18828,14 @@
 <file path=ppt/slides/slide9.xml><?xml version="1.0" encoding="utf-8"?>
 <p:sld xmlns:a="http://schemas.openxmlformats.org/drawingml/2006/main" xmlns:r="http://schemas.openxmlformats.org/officeDocument/2006/relationships" xmlns:p="http://schemas.openxmlformats.org/presentationml/2006/main">
   <p:cSld>
+    <p:bg>
+      <p:bgPr>
+        <a:solidFill>
+          <a:schemeClr val="bg1"/>
+        </a:solidFill>
+        <a:effectLst/>
+      </p:bgPr>
+    </p:bg>
     <p:spTree>
       <p:nvGrpSpPr>
         <p:cNvPr id="1" name=""/>
@@ -15683,12 +18850,171 @@
           <a:chExt cx="0" cy="0"/>
         </a:xfrm>
       </p:grpSpPr>
+      <p:sp useBgFill="1">
+        <p:nvSpPr>
+          <p:cNvPr id="10" name="Rectangle 9">
+            <a:extLst>
+              <a:ext uri="{FF2B5EF4-FFF2-40B4-BE49-F238E27FC236}">
+                <a16:creationId xmlns:a16="http://schemas.microsoft.com/office/drawing/2014/main" id="{1B0A7D14-7B67-4022-A8BE-1CCD4A0F1B06}"/>
+              </a:ext>
+              <a:ext uri="{C183D7F6-B498-43B3-948B-1728B52AA6E4}">
+                <adec:decorative xmlns:adec="http://schemas.microsoft.com/office/drawing/2017/decorative" val="1"/>
+              </a:ext>
+            </a:extLst>
+          </p:cNvPr>
+          <p:cNvSpPr>
+            <a:spLocks noGrp="1" noRot="1" noChangeAspect="1" noMove="1" noResize="1" noEditPoints="1" noAdjustHandles="1" noChangeArrowheads="1" noChangeShapeType="1" noTextEdit="1"/>
+          </p:cNvSpPr>
+          <p:nvPr>
+            <p:extLst>
+              <p:ext uri="{386F3935-93C4-4BCD-93E2-E3B085C9AB24}">
+                <p16:designElem xmlns:p16="http://schemas.microsoft.com/office/powerpoint/2015/main" val="1"/>
+              </p:ext>
+            </p:extLst>
+          </p:nvPr>
+        </p:nvSpPr>
+        <p:spPr bwMode="white">
+          <a:xfrm>
+            <a:off x="0" y="0"/>
+            <a:ext cx="12192000" cy="6858000"/>
+          </a:xfrm>
+          <a:prstGeom prst="rect">
+            <a:avLst/>
+          </a:prstGeom>
+          <a:ln>
+            <a:noFill/>
+          </a:ln>
+        </p:spPr>
+        <p:style>
+          <a:lnRef idx="2">
+            <a:schemeClr val="accent1">
+              <a:shade val="50000"/>
+            </a:schemeClr>
+          </a:lnRef>
+          <a:fillRef idx="1">
+            <a:schemeClr val="accent1"/>
+          </a:fillRef>
+          <a:effectRef idx="0">
+            <a:schemeClr val="accent1"/>
+          </a:effectRef>
+          <a:fontRef idx="minor">
+            <a:schemeClr val="lt1"/>
+          </a:fontRef>
+        </p:style>
+        <p:txBody>
+          <a:bodyPr rot="0" spcFirstLastPara="0" vert="horz" wrap="square" lIns="91440" tIns="45720" rIns="91440" bIns="45720" numCol="1" spcCol="0" rtlCol="0" fromWordArt="0" anchor="ctr" anchorCtr="0" forceAA="0" compatLnSpc="1">
+            <a:prstTxWarp prst="textNoShape">
+              <a:avLst/>
+            </a:prstTxWarp>
+            <a:noAutofit/>
+          </a:bodyPr>
+          <a:lstStyle>
+            <a:defPPr>
+              <a:defRPr lang="en-US"/>
+            </a:defPPr>
+            <a:lvl1pPr marL="0" algn="l" defTabSz="914400" rtl="0" eaLnBrk="1" latinLnBrk="0" hangingPunct="1">
+              <a:defRPr sz="1800" kern="1200">
+                <a:solidFill>
+                  <a:schemeClr val="lt1"/>
+                </a:solidFill>
+                <a:latin typeface="+mn-lt"/>
+                <a:ea typeface="+mn-ea"/>
+                <a:cs typeface="+mn-cs"/>
+              </a:defRPr>
+            </a:lvl1pPr>
+            <a:lvl2pPr marL="457200" algn="l" defTabSz="914400" rtl="0" eaLnBrk="1" latinLnBrk="0" hangingPunct="1">
+              <a:defRPr sz="1800" kern="1200">
+                <a:solidFill>
+                  <a:schemeClr val="lt1"/>
+                </a:solidFill>
+                <a:latin typeface="+mn-lt"/>
+                <a:ea typeface="+mn-ea"/>
+                <a:cs typeface="+mn-cs"/>
+              </a:defRPr>
+            </a:lvl2pPr>
+            <a:lvl3pPr marL="914400" algn="l" defTabSz="914400" rtl="0" eaLnBrk="1" latinLnBrk="0" hangingPunct="1">
+              <a:defRPr sz="1800" kern="1200">
+                <a:solidFill>
+                  <a:schemeClr val="lt1"/>
+                </a:solidFill>
+                <a:latin typeface="+mn-lt"/>
+                <a:ea typeface="+mn-ea"/>
+                <a:cs typeface="+mn-cs"/>
+              </a:defRPr>
+            </a:lvl3pPr>
+            <a:lvl4pPr marL="1371600" algn="l" defTabSz="914400" rtl="0" eaLnBrk="1" latinLnBrk="0" hangingPunct="1">
+              <a:defRPr sz="1800" kern="1200">
+                <a:solidFill>
+                  <a:schemeClr val="lt1"/>
+                </a:solidFill>
+                <a:latin typeface="+mn-lt"/>
+                <a:ea typeface="+mn-ea"/>
+                <a:cs typeface="+mn-cs"/>
+              </a:defRPr>
+            </a:lvl4pPr>
+            <a:lvl5pPr marL="1828800" algn="l" defTabSz="914400" rtl="0" eaLnBrk="1" latinLnBrk="0" hangingPunct="1">
+              <a:defRPr sz="1800" kern="1200">
+                <a:solidFill>
+                  <a:schemeClr val="lt1"/>
+                </a:solidFill>
+                <a:latin typeface="+mn-lt"/>
+                <a:ea typeface="+mn-ea"/>
+                <a:cs typeface="+mn-cs"/>
+              </a:defRPr>
+            </a:lvl5pPr>
+            <a:lvl6pPr marL="2286000" algn="l" defTabSz="914400" rtl="0" eaLnBrk="1" latinLnBrk="0" hangingPunct="1">
+              <a:defRPr sz="1800" kern="1200">
+                <a:solidFill>
+                  <a:schemeClr val="lt1"/>
+                </a:solidFill>
+                <a:latin typeface="+mn-lt"/>
+                <a:ea typeface="+mn-ea"/>
+                <a:cs typeface="+mn-cs"/>
+              </a:defRPr>
+            </a:lvl6pPr>
+            <a:lvl7pPr marL="2743200" algn="l" defTabSz="914400" rtl="0" eaLnBrk="1" latinLnBrk="0" hangingPunct="1">
+              <a:defRPr sz="1800" kern="1200">
+                <a:solidFill>
+                  <a:schemeClr val="lt1"/>
+                </a:solidFill>
+                <a:latin typeface="+mn-lt"/>
+                <a:ea typeface="+mn-ea"/>
+                <a:cs typeface="+mn-cs"/>
+              </a:defRPr>
+            </a:lvl7pPr>
+            <a:lvl8pPr marL="3200400" algn="l" defTabSz="914400" rtl="0" eaLnBrk="1" latinLnBrk="0" hangingPunct="1">
+              <a:defRPr sz="1800" kern="1200">
+                <a:solidFill>
+                  <a:schemeClr val="lt1"/>
+                </a:solidFill>
+                <a:latin typeface="+mn-lt"/>
+                <a:ea typeface="+mn-ea"/>
+                <a:cs typeface="+mn-cs"/>
+              </a:defRPr>
+            </a:lvl8pPr>
+            <a:lvl9pPr marL="3657600" algn="l" defTabSz="914400" rtl="0" eaLnBrk="1" latinLnBrk="0" hangingPunct="1">
+              <a:defRPr sz="1800" kern="1200">
+                <a:solidFill>
+                  <a:schemeClr val="lt1"/>
+                </a:solidFill>
+                <a:latin typeface="+mn-lt"/>
+                <a:ea typeface="+mn-ea"/>
+                <a:cs typeface="+mn-cs"/>
+              </a:defRPr>
+            </a:lvl9pPr>
+          </a:lstStyle>
+          <a:p>
+            <a:pPr algn="ctr"/>
+            <a:endParaRPr lang="en-US"/>
+          </a:p>
+        </p:txBody>
+      </p:sp>
       <p:sp>
         <p:nvSpPr>
           <p:cNvPr id="2" name="Title 1">
             <a:extLst>
               <a:ext uri="{FF2B5EF4-FFF2-40B4-BE49-F238E27FC236}">
-                <a16:creationId xmlns:a16="http://schemas.microsoft.com/office/drawing/2014/main" id="{D3446260-DDFC-324E-97AF-CB4028F4334E}"/>
+                <a16:creationId xmlns:a16="http://schemas.microsoft.com/office/drawing/2014/main" id="{C5E8FE81-C5CF-0949-9C7D-67524619ADE1}"/>
               </a:ext>
             </a:extLst>
           </p:cNvPr>
@@ -15699,188 +19025,596 @@
             <p:ph type="title"/>
           </p:nvPr>
         </p:nvSpPr>
-        <p:spPr/>
+        <p:spPr>
+          <a:xfrm>
+            <a:off x="1251678" y="382385"/>
+            <a:ext cx="10178322" cy="1492132"/>
+          </a:xfrm>
+        </p:spPr>
         <p:txBody>
-          <a:bodyPr/>
+          <a:bodyPr anchor="ctr">
+            <a:normAutofit/>
+          </a:bodyPr>
           <a:lstStyle/>
           <a:p>
             <a:r>
               <a:rPr lang="en-US" dirty="0"/>
-              <a:t>References</a:t>
+              <a:t>Results</a:t>
             </a:r>
           </a:p>
         </p:txBody>
       </p:sp>
       <p:sp>
         <p:nvSpPr>
-          <p:cNvPr id="3" name="Content Placeholder 2">
+          <p:cNvPr id="12" name="Freeform 6">
             <a:extLst>
               <a:ext uri="{FF2B5EF4-FFF2-40B4-BE49-F238E27FC236}">
-                <a16:creationId xmlns:a16="http://schemas.microsoft.com/office/drawing/2014/main" id="{330468C7-02A5-424C-984D-3227542AAB39}"/>
+                <a16:creationId xmlns:a16="http://schemas.microsoft.com/office/drawing/2014/main" id="{AB09A9E8-BF27-4613-A775-071F082083A9}"/>
+              </a:ext>
+              <a:ext uri="{C183D7F6-B498-43B3-948B-1728B52AA6E4}">
+                <adec:decorative xmlns:adec="http://schemas.microsoft.com/office/drawing/2017/decorative" val="1"/>
               </a:ext>
             </a:extLst>
           </p:cNvPr>
           <p:cNvSpPr>
-            <a:spLocks noGrp="1"/>
+            <a:spLocks noGrp="1" noRot="1" noChangeAspect="1" noMove="1" noResize="1" noEditPoints="1" noAdjustHandles="1" noChangeArrowheads="1" noChangeShapeType="1" noTextEdit="1"/>
           </p:cNvSpPr>
           <p:nvPr>
-            <p:ph idx="1"/>
+            <p:extLst>
+              <p:ext uri="{386F3935-93C4-4BCD-93E2-E3B085C9AB24}">
+                <p16:designElem xmlns:p16="http://schemas.microsoft.com/office/powerpoint/2015/main" val="1"/>
+              </p:ext>
+            </p:extLst>
+          </p:nvPr>
+        </p:nvSpPr>
+        <p:spPr bwMode="auto">
+          <a:xfrm>
+            <a:off x="0" y="0"/>
+            <a:ext cx="885825" cy="6858000"/>
+          </a:xfrm>
+          <a:custGeom>
+            <a:avLst/>
+            <a:gdLst/>
+            <a:ahLst/>
+            <a:cxnLst/>
+            <a:rect l="0" t="0" r="r" b="b"/>
+            <a:pathLst>
+              <a:path w="558" h="4320">
+                <a:moveTo>
+                  <a:pt x="0" y="0"/>
+                </a:moveTo>
+                <a:lnTo>
+                  <a:pt x="447" y="0"/>
+                </a:lnTo>
+                <a:lnTo>
+                  <a:pt x="448" y="43"/>
+                </a:lnTo>
+                <a:lnTo>
+                  <a:pt x="453" y="81"/>
+                </a:lnTo>
+                <a:lnTo>
+                  <a:pt x="460" y="114"/>
+                </a:lnTo>
+                <a:lnTo>
+                  <a:pt x="469" y="143"/>
+                </a:lnTo>
+                <a:lnTo>
+                  <a:pt x="479" y="169"/>
+                </a:lnTo>
+                <a:lnTo>
+                  <a:pt x="491" y="192"/>
+                </a:lnTo>
+                <a:lnTo>
+                  <a:pt x="503" y="216"/>
+                </a:lnTo>
+                <a:lnTo>
+                  <a:pt x="515" y="240"/>
+                </a:lnTo>
+                <a:lnTo>
+                  <a:pt x="525" y="263"/>
+                </a:lnTo>
+                <a:lnTo>
+                  <a:pt x="535" y="289"/>
+                </a:lnTo>
+                <a:lnTo>
+                  <a:pt x="545" y="318"/>
+                </a:lnTo>
+                <a:lnTo>
+                  <a:pt x="552" y="351"/>
+                </a:lnTo>
+                <a:lnTo>
+                  <a:pt x="556" y="389"/>
+                </a:lnTo>
+                <a:lnTo>
+                  <a:pt x="558" y="432"/>
+                </a:lnTo>
+                <a:lnTo>
+                  <a:pt x="556" y="475"/>
+                </a:lnTo>
+                <a:lnTo>
+                  <a:pt x="552" y="513"/>
+                </a:lnTo>
+                <a:lnTo>
+                  <a:pt x="545" y="546"/>
+                </a:lnTo>
+                <a:lnTo>
+                  <a:pt x="535" y="575"/>
+                </a:lnTo>
+                <a:lnTo>
+                  <a:pt x="525" y="601"/>
+                </a:lnTo>
+                <a:lnTo>
+                  <a:pt x="515" y="624"/>
+                </a:lnTo>
+                <a:lnTo>
+                  <a:pt x="503" y="648"/>
+                </a:lnTo>
+                <a:lnTo>
+                  <a:pt x="491" y="672"/>
+                </a:lnTo>
+                <a:lnTo>
+                  <a:pt x="479" y="695"/>
+                </a:lnTo>
+                <a:lnTo>
+                  <a:pt x="469" y="721"/>
+                </a:lnTo>
+                <a:lnTo>
+                  <a:pt x="460" y="750"/>
+                </a:lnTo>
+                <a:lnTo>
+                  <a:pt x="453" y="783"/>
+                </a:lnTo>
+                <a:lnTo>
+                  <a:pt x="448" y="821"/>
+                </a:lnTo>
+                <a:lnTo>
+                  <a:pt x="447" y="864"/>
+                </a:lnTo>
+                <a:lnTo>
+                  <a:pt x="448" y="907"/>
+                </a:lnTo>
+                <a:lnTo>
+                  <a:pt x="453" y="945"/>
+                </a:lnTo>
+                <a:lnTo>
+                  <a:pt x="460" y="978"/>
+                </a:lnTo>
+                <a:lnTo>
+                  <a:pt x="469" y="1007"/>
+                </a:lnTo>
+                <a:lnTo>
+                  <a:pt x="479" y="1033"/>
+                </a:lnTo>
+                <a:lnTo>
+                  <a:pt x="491" y="1056"/>
+                </a:lnTo>
+                <a:lnTo>
+                  <a:pt x="503" y="1080"/>
+                </a:lnTo>
+                <a:lnTo>
+                  <a:pt x="515" y="1104"/>
+                </a:lnTo>
+                <a:lnTo>
+                  <a:pt x="525" y="1127"/>
+                </a:lnTo>
+                <a:lnTo>
+                  <a:pt x="535" y="1153"/>
+                </a:lnTo>
+                <a:lnTo>
+                  <a:pt x="545" y="1182"/>
+                </a:lnTo>
+                <a:lnTo>
+                  <a:pt x="552" y="1215"/>
+                </a:lnTo>
+                <a:lnTo>
+                  <a:pt x="556" y="1253"/>
+                </a:lnTo>
+                <a:lnTo>
+                  <a:pt x="558" y="1296"/>
+                </a:lnTo>
+                <a:lnTo>
+                  <a:pt x="556" y="1339"/>
+                </a:lnTo>
+                <a:lnTo>
+                  <a:pt x="552" y="1377"/>
+                </a:lnTo>
+                <a:lnTo>
+                  <a:pt x="545" y="1410"/>
+                </a:lnTo>
+                <a:lnTo>
+                  <a:pt x="535" y="1439"/>
+                </a:lnTo>
+                <a:lnTo>
+                  <a:pt x="525" y="1465"/>
+                </a:lnTo>
+                <a:lnTo>
+                  <a:pt x="515" y="1488"/>
+                </a:lnTo>
+                <a:lnTo>
+                  <a:pt x="503" y="1512"/>
+                </a:lnTo>
+                <a:lnTo>
+                  <a:pt x="491" y="1536"/>
+                </a:lnTo>
+                <a:lnTo>
+                  <a:pt x="479" y="1559"/>
+                </a:lnTo>
+                <a:lnTo>
+                  <a:pt x="469" y="1585"/>
+                </a:lnTo>
+                <a:lnTo>
+                  <a:pt x="460" y="1614"/>
+                </a:lnTo>
+                <a:lnTo>
+                  <a:pt x="453" y="1647"/>
+                </a:lnTo>
+                <a:lnTo>
+                  <a:pt x="448" y="1685"/>
+                </a:lnTo>
+                <a:lnTo>
+                  <a:pt x="447" y="1728"/>
+                </a:lnTo>
+                <a:lnTo>
+                  <a:pt x="448" y="1771"/>
+                </a:lnTo>
+                <a:lnTo>
+                  <a:pt x="453" y="1809"/>
+                </a:lnTo>
+                <a:lnTo>
+                  <a:pt x="460" y="1842"/>
+                </a:lnTo>
+                <a:lnTo>
+                  <a:pt x="469" y="1871"/>
+                </a:lnTo>
+                <a:lnTo>
+                  <a:pt x="479" y="1897"/>
+                </a:lnTo>
+                <a:lnTo>
+                  <a:pt x="491" y="1920"/>
+                </a:lnTo>
+                <a:lnTo>
+                  <a:pt x="503" y="1944"/>
+                </a:lnTo>
+                <a:lnTo>
+                  <a:pt x="515" y="1968"/>
+                </a:lnTo>
+                <a:lnTo>
+                  <a:pt x="525" y="1991"/>
+                </a:lnTo>
+                <a:lnTo>
+                  <a:pt x="535" y="2017"/>
+                </a:lnTo>
+                <a:lnTo>
+                  <a:pt x="545" y="2046"/>
+                </a:lnTo>
+                <a:lnTo>
+                  <a:pt x="552" y="2079"/>
+                </a:lnTo>
+                <a:lnTo>
+                  <a:pt x="556" y="2117"/>
+                </a:lnTo>
+                <a:lnTo>
+                  <a:pt x="558" y="2159"/>
+                </a:lnTo>
+                <a:lnTo>
+                  <a:pt x="556" y="2203"/>
+                </a:lnTo>
+                <a:lnTo>
+                  <a:pt x="552" y="2241"/>
+                </a:lnTo>
+                <a:lnTo>
+                  <a:pt x="545" y="2274"/>
+                </a:lnTo>
+                <a:lnTo>
+                  <a:pt x="535" y="2303"/>
+                </a:lnTo>
+                <a:lnTo>
+                  <a:pt x="525" y="2329"/>
+                </a:lnTo>
+                <a:lnTo>
+                  <a:pt x="515" y="2352"/>
+                </a:lnTo>
+                <a:lnTo>
+                  <a:pt x="503" y="2376"/>
+                </a:lnTo>
+                <a:lnTo>
+                  <a:pt x="491" y="2400"/>
+                </a:lnTo>
+                <a:lnTo>
+                  <a:pt x="479" y="2423"/>
+                </a:lnTo>
+                <a:lnTo>
+                  <a:pt x="469" y="2449"/>
+                </a:lnTo>
+                <a:lnTo>
+                  <a:pt x="460" y="2478"/>
+                </a:lnTo>
+                <a:lnTo>
+                  <a:pt x="453" y="2511"/>
+                </a:lnTo>
+                <a:lnTo>
+                  <a:pt x="448" y="2549"/>
+                </a:lnTo>
+                <a:lnTo>
+                  <a:pt x="447" y="2592"/>
+                </a:lnTo>
+                <a:lnTo>
+                  <a:pt x="448" y="2635"/>
+                </a:lnTo>
+                <a:lnTo>
+                  <a:pt x="453" y="2673"/>
+                </a:lnTo>
+                <a:lnTo>
+                  <a:pt x="460" y="2706"/>
+                </a:lnTo>
+                <a:lnTo>
+                  <a:pt x="469" y="2735"/>
+                </a:lnTo>
+                <a:lnTo>
+                  <a:pt x="479" y="2761"/>
+                </a:lnTo>
+                <a:lnTo>
+                  <a:pt x="491" y="2784"/>
+                </a:lnTo>
+                <a:lnTo>
+                  <a:pt x="515" y="2832"/>
+                </a:lnTo>
+                <a:lnTo>
+                  <a:pt x="525" y="2855"/>
+                </a:lnTo>
+                <a:lnTo>
+                  <a:pt x="535" y="2881"/>
+                </a:lnTo>
+                <a:lnTo>
+                  <a:pt x="545" y="2910"/>
+                </a:lnTo>
+                <a:lnTo>
+                  <a:pt x="552" y="2943"/>
+                </a:lnTo>
+                <a:lnTo>
+                  <a:pt x="556" y="2981"/>
+                </a:lnTo>
+                <a:lnTo>
+                  <a:pt x="558" y="3024"/>
+                </a:lnTo>
+                <a:lnTo>
+                  <a:pt x="556" y="3067"/>
+                </a:lnTo>
+                <a:lnTo>
+                  <a:pt x="552" y="3105"/>
+                </a:lnTo>
+                <a:lnTo>
+                  <a:pt x="545" y="3138"/>
+                </a:lnTo>
+                <a:lnTo>
+                  <a:pt x="535" y="3167"/>
+                </a:lnTo>
+                <a:lnTo>
+                  <a:pt x="525" y="3193"/>
+                </a:lnTo>
+                <a:lnTo>
+                  <a:pt x="515" y="3216"/>
+                </a:lnTo>
+                <a:lnTo>
+                  <a:pt x="503" y="3240"/>
+                </a:lnTo>
+                <a:lnTo>
+                  <a:pt x="491" y="3264"/>
+                </a:lnTo>
+                <a:lnTo>
+                  <a:pt x="479" y="3287"/>
+                </a:lnTo>
+                <a:lnTo>
+                  <a:pt x="469" y="3313"/>
+                </a:lnTo>
+                <a:lnTo>
+                  <a:pt x="460" y="3342"/>
+                </a:lnTo>
+                <a:lnTo>
+                  <a:pt x="453" y="3375"/>
+                </a:lnTo>
+                <a:lnTo>
+                  <a:pt x="448" y="3413"/>
+                </a:lnTo>
+                <a:lnTo>
+                  <a:pt x="447" y="3456"/>
+                </a:lnTo>
+                <a:lnTo>
+                  <a:pt x="448" y="3499"/>
+                </a:lnTo>
+                <a:lnTo>
+                  <a:pt x="453" y="3537"/>
+                </a:lnTo>
+                <a:lnTo>
+                  <a:pt x="460" y="3570"/>
+                </a:lnTo>
+                <a:lnTo>
+                  <a:pt x="469" y="3599"/>
+                </a:lnTo>
+                <a:lnTo>
+                  <a:pt x="479" y="3625"/>
+                </a:lnTo>
+                <a:lnTo>
+                  <a:pt x="491" y="3648"/>
+                </a:lnTo>
+                <a:lnTo>
+                  <a:pt x="503" y="3672"/>
+                </a:lnTo>
+                <a:lnTo>
+                  <a:pt x="515" y="3696"/>
+                </a:lnTo>
+                <a:lnTo>
+                  <a:pt x="525" y="3719"/>
+                </a:lnTo>
+                <a:lnTo>
+                  <a:pt x="535" y="3745"/>
+                </a:lnTo>
+                <a:lnTo>
+                  <a:pt x="545" y="3774"/>
+                </a:lnTo>
+                <a:lnTo>
+                  <a:pt x="552" y="3807"/>
+                </a:lnTo>
+                <a:lnTo>
+                  <a:pt x="556" y="3845"/>
+                </a:lnTo>
+                <a:lnTo>
+                  <a:pt x="558" y="3888"/>
+                </a:lnTo>
+                <a:lnTo>
+                  <a:pt x="556" y="3931"/>
+                </a:lnTo>
+                <a:lnTo>
+                  <a:pt x="552" y="3969"/>
+                </a:lnTo>
+                <a:lnTo>
+                  <a:pt x="545" y="4002"/>
+                </a:lnTo>
+                <a:lnTo>
+                  <a:pt x="535" y="4031"/>
+                </a:lnTo>
+                <a:lnTo>
+                  <a:pt x="525" y="4057"/>
+                </a:lnTo>
+                <a:lnTo>
+                  <a:pt x="515" y="4080"/>
+                </a:lnTo>
+                <a:lnTo>
+                  <a:pt x="503" y="4104"/>
+                </a:lnTo>
+                <a:lnTo>
+                  <a:pt x="491" y="4128"/>
+                </a:lnTo>
+                <a:lnTo>
+                  <a:pt x="479" y="4151"/>
+                </a:lnTo>
+                <a:lnTo>
+                  <a:pt x="469" y="4177"/>
+                </a:lnTo>
+                <a:lnTo>
+                  <a:pt x="460" y="4206"/>
+                </a:lnTo>
+                <a:lnTo>
+                  <a:pt x="453" y="4239"/>
+                </a:lnTo>
+                <a:lnTo>
+                  <a:pt x="448" y="4277"/>
+                </a:lnTo>
+                <a:lnTo>
+                  <a:pt x="447" y="4320"/>
+                </a:lnTo>
+                <a:lnTo>
+                  <a:pt x="0" y="4320"/>
+                </a:lnTo>
+                <a:lnTo>
+                  <a:pt x="0" y="0"/>
+                </a:lnTo>
+                <a:close/>
+              </a:path>
+            </a:pathLst>
+          </a:custGeom>
+          <a:solidFill>
+            <a:schemeClr val="accent1"/>
+          </a:solidFill>
+          <a:ln w="0">
+            <a:noFill/>
+            <a:prstDash val="solid"/>
+            <a:round/>
+            <a:headEnd/>
+            <a:tailEnd/>
+          </a:ln>
+        </p:spPr>
+      </p:sp>
+      <p:sp>
+        <p:nvSpPr>
+          <p:cNvPr id="14" name="Rectangle 13">
+            <a:extLst>
+              <a:ext uri="{FF2B5EF4-FFF2-40B4-BE49-F238E27FC236}">
+                <a16:creationId xmlns:a16="http://schemas.microsoft.com/office/drawing/2014/main" id="{C3AFE299-6F79-44AF-9A77-2DC2DC1F8461}"/>
+              </a:ext>
+              <a:ext uri="{C183D7F6-B498-43B3-948B-1728B52AA6E4}">
+                <adec:decorative xmlns:adec="http://schemas.microsoft.com/office/drawing/2017/decorative" val="1"/>
+              </a:ext>
+            </a:extLst>
+          </p:cNvPr>
+          <p:cNvSpPr>
+            <a:spLocks noGrp="1" noRot="1" noChangeAspect="1" noMove="1" noResize="1" noEditPoints="1" noAdjustHandles="1" noChangeArrowheads="1" noChangeShapeType="1" noTextEdit="1"/>
+          </p:cNvSpPr>
+          <p:nvPr>
+            <p:extLst>
+              <p:ext uri="{386F3935-93C4-4BCD-93E2-E3B085C9AB24}">
+                <p16:designElem xmlns:p16="http://schemas.microsoft.com/office/powerpoint/2015/main" val="1"/>
+              </p:ext>
+            </p:extLst>
           </p:nvPr>
         </p:nvSpPr>
         <p:spPr>
           <a:xfrm>
-            <a:off x="1251678" y="1528764"/>
-            <a:ext cx="10178322" cy="5086349"/>
+            <a:off x="11908536" y="0"/>
+            <a:ext cx="283464" cy="6858000"/>
           </a:xfrm>
+          <a:prstGeom prst="rect">
+            <a:avLst/>
+          </a:prstGeom>
+          <a:solidFill>
+            <a:schemeClr val="accent1"/>
+          </a:solidFill>
+          <a:ln>
+            <a:noFill/>
+          </a:ln>
         </p:spPr>
-        <p:txBody>
-          <a:bodyPr>
-            <a:normAutofit/>
-          </a:bodyPr>
-          <a:lstStyle/>
-          <a:p>
-            <a:r>
-              <a:rPr lang="en-US" dirty="0"/>
-              <a:t>Szabo, B. (2020, May 26). </a:t>
-            </a:r>
-            <a:r>
-              <a:rPr lang="en-US" i="1" dirty="0"/>
-              <a:t>How to create a seaborn correlation heatmap in python?</a:t>
-            </a:r>
-            <a:r>
-              <a:rPr lang="en-US" dirty="0"/>
-              <a:t> Medium. Retrieved September 22, 2021, from https://</a:t>
-            </a:r>
-            <a:r>
-              <a:rPr lang="en-US" dirty="0" err="1"/>
-              <a:t>medium.com</a:t>
-            </a:r>
-            <a:r>
-              <a:rPr lang="en-US" dirty="0"/>
-              <a:t>/@</a:t>
-            </a:r>
-            <a:r>
-              <a:rPr lang="en-US" dirty="0" err="1"/>
-              <a:t>szabo.bibor</a:t>
-            </a:r>
-            <a:r>
-              <a:rPr lang="en-US" dirty="0"/>
-              <a:t>/how-to-create-a-seaborn-correlation-heatmap-in-python-834c0686b88e. </a:t>
-            </a:r>
-          </a:p>
-          <a:p>
-            <a:r>
-              <a:rPr lang="en-US" dirty="0"/>
-              <a:t>YouTube. (2021, April 19). </a:t>
-            </a:r>
-            <a:r>
-              <a:rPr lang="en-US" i="1" dirty="0"/>
-              <a:t>MATPLOTLIB 3D plots including Scatter 3D and surface plots for matplotlib Python || Matplotlib Tips</a:t>
-            </a:r>
-            <a:r>
-              <a:rPr lang="en-US" dirty="0"/>
-              <a:t>. YouTube. Retrieved September 22, 2021, from https://</a:t>
-            </a:r>
-            <a:r>
-              <a:rPr lang="en-US" dirty="0" err="1"/>
-              <a:t>www.youtube.com</a:t>
-            </a:r>
-            <a:r>
-              <a:rPr lang="en-US" dirty="0"/>
-              <a:t>/</a:t>
-            </a:r>
-            <a:r>
-              <a:rPr lang="en-US" dirty="0" err="1"/>
-              <a:t>watch?v</a:t>
-            </a:r>
-            <a:r>
-              <a:rPr lang="en-US" dirty="0"/>
-              <a:t>=</a:t>
-            </a:r>
-            <a:r>
-              <a:rPr lang="en-US" dirty="0" err="1"/>
-              <a:t>gqoLLGgbeAE</a:t>
-            </a:r>
-            <a:r>
-              <a:rPr lang="en-US" dirty="0"/>
-              <a:t>. </a:t>
-            </a:r>
-          </a:p>
-          <a:p>
-            <a:r>
-              <a:rPr lang="en-US" i="1" dirty="0" err="1"/>
-              <a:t>sklearn.preprocessing.onehotencoder</a:t>
-            </a:r>
-            <a:r>
-              <a:rPr lang="en-US" dirty="0"/>
-              <a:t>. scikit. (n.d.). Retrieved September 22, 2021, from https://scikit-</a:t>
-            </a:r>
-            <a:r>
-              <a:rPr lang="en-US" dirty="0" err="1"/>
-              <a:t>learn.org</a:t>
-            </a:r>
-            <a:r>
-              <a:rPr lang="en-US" dirty="0"/>
-              <a:t>/stable/modules/generated/</a:t>
-            </a:r>
-            <a:r>
-              <a:rPr lang="en-US" dirty="0" err="1"/>
-              <a:t>sklearn.preprocessing.OneHotEncoder.html</a:t>
-            </a:r>
-            <a:r>
-              <a:rPr lang="en-US" dirty="0"/>
-              <a:t>. </a:t>
-            </a:r>
-            <a:endParaRPr lang="en-US" dirty="0">
-              <a:hlinkClick r:id="rId2"/>
-            </a:endParaRPr>
-          </a:p>
-          <a:p>
-            <a:r>
-              <a:rPr lang="en-US" dirty="0" err="1"/>
-              <a:t>Girgin</a:t>
-            </a:r>
-            <a:r>
-              <a:rPr lang="en-US" dirty="0"/>
-              <a:t>, S. (2019, July 2). </a:t>
-            </a:r>
-            <a:r>
-              <a:rPr lang="en-US" i="1" dirty="0"/>
-              <a:t>Decision tree regression in 6 steps with python</a:t>
-            </a:r>
-            <a:r>
-              <a:rPr lang="en-US" dirty="0"/>
-              <a:t>. Medium. Retrieved September 22, 2021, from https://</a:t>
-            </a:r>
-            <a:r>
-              <a:rPr lang="en-US" dirty="0" err="1"/>
-              <a:t>medium.com</a:t>
-            </a:r>
-            <a:r>
-              <a:rPr lang="en-US" dirty="0"/>
-              <a:t>/</a:t>
-            </a:r>
-            <a:r>
-              <a:rPr lang="en-US" dirty="0" err="1"/>
-              <a:t>pursuitnotes</a:t>
-            </a:r>
-            <a:r>
-              <a:rPr lang="en-US" dirty="0"/>
-              <a:t>/decision-tree-regression-in-6-steps-with-python-1a1c5aa2ee16. </a:t>
-            </a:r>
-          </a:p>
-          <a:p>
-            <a:endParaRPr lang="en-US" dirty="0"/>
-          </a:p>
-          <a:p>
-            <a:endParaRPr lang="en-US" dirty="0"/>
-          </a:p>
-        </p:txBody>
+        <p:style>
+          <a:lnRef idx="2">
+            <a:schemeClr val="accent1">
+              <a:shade val="50000"/>
+            </a:schemeClr>
+          </a:lnRef>
+          <a:fillRef idx="1">
+            <a:schemeClr val="accent1"/>
+          </a:fillRef>
+          <a:effectRef idx="0">
+            <a:schemeClr val="accent1"/>
+          </a:effectRef>
+          <a:fontRef idx="minor">
+            <a:schemeClr val="lt1"/>
+          </a:fontRef>
+        </p:style>
       </p:sp>
+      <p:graphicFrame>
+        <p:nvGraphicFramePr>
+          <p:cNvPr id="7" name="Content Placeholder 3">
+            <a:extLst>
+              <a:ext uri="{FF2B5EF4-FFF2-40B4-BE49-F238E27FC236}">
+                <a16:creationId xmlns:a16="http://schemas.microsoft.com/office/drawing/2014/main" id="{166E263B-C3D4-4A4C-B8A5-719FD19FF4EF}"/>
+              </a:ext>
+            </a:extLst>
+          </p:cNvPr>
+          <p:cNvGraphicFramePr>
+            <a:graphicFrameLocks noGrp="1"/>
+          </p:cNvGraphicFramePr>
+          <p:nvPr>
+            <p:ph idx="1"/>
+            <p:extLst>
+              <p:ext uri="{D42A27DB-BD31-4B8C-83A1-F6EECF244321}">
+                <p14:modId xmlns:p14="http://schemas.microsoft.com/office/powerpoint/2010/main" val="620235973"/>
+              </p:ext>
+            </p:extLst>
+          </p:nvPr>
+        </p:nvGraphicFramePr>
+        <p:xfrm>
+          <a:off x="1250950" y="2286000"/>
+          <a:ext cx="10179050" cy="3594100"/>
+        </p:xfrm>
+        <a:graphic>
+          <a:graphicData uri="http://schemas.openxmlformats.org/drawingml/2006/chart">
+            <c:chart xmlns:c="http://schemas.openxmlformats.org/drawingml/2006/chart" xmlns:r="http://schemas.openxmlformats.org/officeDocument/2006/relationships" r:id="rId2"/>
+          </a:graphicData>
+        </a:graphic>
+      </p:graphicFrame>
     </p:spTree>
     <p:extLst>
       <p:ext uri="{BB962C8B-B14F-4D97-AF65-F5344CB8AC3E}">
-        <p14:creationId xmlns:p14="http://schemas.microsoft.com/office/powerpoint/2010/main" val="1085262464"/>
+        <p14:creationId xmlns:p14="http://schemas.microsoft.com/office/powerpoint/2010/main" val="2306195880"/>
       </p:ext>
     </p:extLst>
   </p:cSld>
